--- a/FPU.pptx
+++ b/FPU.pptx
@@ -9935,6 +9935,342 @@
   <p:clrMapOvr>
     <a:masterClrMapping/>
   </p:clrMapOvr>
+  <p:timing>
+    <p:tnLst>
+      <p:par>
+        <p:cTn dur="indefinite" nodeType="tmRoot" restart="never">
+          <p:childTnLst>
+            <p:seq concurrent="1" nextAc="seek">
+              <p:cTn dur="indefinite" id="2" nodeType="mainSeq">
+                <p:childTnLst>
+                  <p:par>
+                    <p:cTn fill="hold">
+                      <p:stCondLst>
+                        <p:cond delay="indefinite"/>
+                      </p:stCondLst>
+                      <p:childTnLst>
+                        <p:par>
+                          <p:cTn fill="hold">
+                            <p:stCondLst>
+                              <p:cond delay="0"/>
+                            </p:stCondLst>
+                            <p:childTnLst>
+                              <p:par>
+                                <p:cTn fill="hold" nodeType="clickEffect" presetClass="entr" presetID="1" presetSubtype="0">
+                                  <p:stCondLst>
+                                    <p:cond delay="0"/>
+                                  </p:stCondLst>
+                                  <p:childTnLst>
+                                    <p:set>
+                                      <p:cBhvr>
+                                        <p:cTn dur="1" fill="hold">
+                                          <p:stCondLst>
+                                            <p:cond delay="0"/>
+                                          </p:stCondLst>
+                                        </p:cTn>
+                                        <p:tgtEl>
+                                          <p:spTgt spid="196"/>
+                                        </p:tgtEl>
+                                        <p:attrNameLst>
+                                          <p:attrName>style.visibility</p:attrName>
+                                        </p:attrNameLst>
+                                      </p:cBhvr>
+                                      <p:to>
+                                        <p:strVal val="visible"/>
+                                      </p:to>
+                                    </p:set>
+                                  </p:childTnLst>
+                                </p:cTn>
+                              </p:par>
+                              <p:par>
+                                <p:cTn fill="hold" nodeType="withEffect" presetClass="entr" presetID="1" presetSubtype="0">
+                                  <p:stCondLst>
+                                    <p:cond delay="0"/>
+                                  </p:stCondLst>
+                                  <p:childTnLst>
+                                    <p:set>
+                                      <p:cBhvr>
+                                        <p:cTn dur="1" fill="hold">
+                                          <p:stCondLst>
+                                            <p:cond delay="0"/>
+                                          </p:stCondLst>
+                                        </p:cTn>
+                                        <p:tgtEl>
+                                          <p:spTgt spid="197"/>
+                                        </p:tgtEl>
+                                        <p:attrNameLst>
+                                          <p:attrName>style.visibility</p:attrName>
+                                        </p:attrNameLst>
+                                      </p:cBhvr>
+                                      <p:to>
+                                        <p:strVal val="visible"/>
+                                      </p:to>
+                                    </p:set>
+                                  </p:childTnLst>
+                                </p:cTn>
+                              </p:par>
+                              <p:par>
+                                <p:cTn fill="hold" nodeType="withEffect" presetClass="entr" presetID="1" presetSubtype="0">
+                                  <p:stCondLst>
+                                    <p:cond delay="0"/>
+                                  </p:stCondLst>
+                                  <p:childTnLst>
+                                    <p:set>
+                                      <p:cBhvr>
+                                        <p:cTn dur="1" fill="hold">
+                                          <p:stCondLst>
+                                            <p:cond delay="0"/>
+                                          </p:stCondLst>
+                                        </p:cTn>
+                                        <p:tgtEl>
+                                          <p:spTgt spid="198"/>
+                                        </p:tgtEl>
+                                        <p:attrNameLst>
+                                          <p:attrName>style.visibility</p:attrName>
+                                        </p:attrNameLst>
+                                      </p:cBhvr>
+                                      <p:to>
+                                        <p:strVal val="visible"/>
+                                      </p:to>
+                                    </p:set>
+                                  </p:childTnLst>
+                                </p:cTn>
+                              </p:par>
+                              <p:par>
+                                <p:cTn fill="hold" nodeType="withEffect" presetClass="entr" presetID="1" presetSubtype="0">
+                                  <p:stCondLst>
+                                    <p:cond delay="0"/>
+                                  </p:stCondLst>
+                                  <p:childTnLst>
+                                    <p:set>
+                                      <p:cBhvr>
+                                        <p:cTn dur="1" fill="hold">
+                                          <p:stCondLst>
+                                            <p:cond delay="0"/>
+                                          </p:stCondLst>
+                                        </p:cTn>
+                                        <p:tgtEl>
+                                          <p:spTgt spid="204"/>
+                                        </p:tgtEl>
+                                        <p:attrNameLst>
+                                          <p:attrName>style.visibility</p:attrName>
+                                        </p:attrNameLst>
+                                      </p:cBhvr>
+                                      <p:to>
+                                        <p:strVal val="visible"/>
+                                      </p:to>
+                                    </p:set>
+                                  </p:childTnLst>
+                                </p:cTn>
+                              </p:par>
+                              <p:par>
+                                <p:cTn fill="hold" nodeType="withEffect" presetClass="entr" presetID="1" presetSubtype="0">
+                                  <p:stCondLst>
+                                    <p:cond delay="0"/>
+                                  </p:stCondLst>
+                                  <p:childTnLst>
+                                    <p:set>
+                                      <p:cBhvr>
+                                        <p:cTn dur="1" fill="hold">
+                                          <p:stCondLst>
+                                            <p:cond delay="0"/>
+                                          </p:stCondLst>
+                                        </p:cTn>
+                                        <p:tgtEl>
+                                          <p:spTgt spid="205"/>
+                                        </p:tgtEl>
+                                        <p:attrNameLst>
+                                          <p:attrName>style.visibility</p:attrName>
+                                        </p:attrNameLst>
+                                      </p:cBhvr>
+                                      <p:to>
+                                        <p:strVal val="visible"/>
+                                      </p:to>
+                                    </p:set>
+                                  </p:childTnLst>
+                                </p:cTn>
+                              </p:par>
+                            </p:childTnLst>
+                          </p:cTn>
+                        </p:par>
+                      </p:childTnLst>
+                    </p:cTn>
+                  </p:par>
+                  <p:par>
+                    <p:cTn fill="hold">
+                      <p:stCondLst>
+                        <p:cond delay="indefinite"/>
+                      </p:stCondLst>
+                      <p:childTnLst>
+                        <p:par>
+                          <p:cTn fill="hold">
+                            <p:stCondLst>
+                              <p:cond delay="0"/>
+                            </p:stCondLst>
+                            <p:childTnLst>
+                              <p:par>
+                                <p:cTn fill="hold" nodeType="clickEffect" presetClass="entr" presetID="1" presetSubtype="0">
+                                  <p:stCondLst>
+                                    <p:cond delay="0"/>
+                                  </p:stCondLst>
+                                  <p:childTnLst>
+                                    <p:set>
+                                      <p:cBhvr>
+                                        <p:cTn dur="1" fill="hold">
+                                          <p:stCondLst>
+                                            <p:cond delay="0"/>
+                                          </p:stCondLst>
+                                        </p:cTn>
+                                        <p:tgtEl>
+                                          <p:spTgt spid="199"/>
+                                        </p:tgtEl>
+                                        <p:attrNameLst>
+                                          <p:attrName>style.visibility</p:attrName>
+                                        </p:attrNameLst>
+                                      </p:cBhvr>
+                                      <p:to>
+                                        <p:strVal val="visible"/>
+                                      </p:to>
+                                    </p:set>
+                                  </p:childTnLst>
+                                </p:cTn>
+                              </p:par>
+                              <p:par>
+                                <p:cTn fill="hold" nodeType="withEffect" presetClass="entr" presetID="1" presetSubtype="0">
+                                  <p:stCondLst>
+                                    <p:cond delay="0"/>
+                                  </p:stCondLst>
+                                  <p:childTnLst>
+                                    <p:set>
+                                      <p:cBhvr>
+                                        <p:cTn dur="1" fill="hold">
+                                          <p:stCondLst>
+                                            <p:cond delay="0"/>
+                                          </p:stCondLst>
+                                        </p:cTn>
+                                        <p:tgtEl>
+                                          <p:spTgt spid="200"/>
+                                        </p:tgtEl>
+                                        <p:attrNameLst>
+                                          <p:attrName>style.visibility</p:attrName>
+                                        </p:attrNameLst>
+                                      </p:cBhvr>
+                                      <p:to>
+                                        <p:strVal val="visible"/>
+                                      </p:to>
+                                    </p:set>
+                                  </p:childTnLst>
+                                </p:cTn>
+                              </p:par>
+                              <p:par>
+                                <p:cTn fill="hold" nodeType="withEffect" presetClass="entr" presetID="1" presetSubtype="0">
+                                  <p:stCondLst>
+                                    <p:cond delay="0"/>
+                                  </p:stCondLst>
+                                  <p:childTnLst>
+                                    <p:set>
+                                      <p:cBhvr>
+                                        <p:cTn dur="1" fill="hold">
+                                          <p:stCondLst>
+                                            <p:cond delay="0"/>
+                                          </p:stCondLst>
+                                        </p:cTn>
+                                        <p:tgtEl>
+                                          <p:spTgt spid="201"/>
+                                        </p:tgtEl>
+                                        <p:attrNameLst>
+                                          <p:attrName>style.visibility</p:attrName>
+                                        </p:attrNameLst>
+                                      </p:cBhvr>
+                                      <p:to>
+                                        <p:strVal val="visible"/>
+                                      </p:to>
+                                    </p:set>
+                                  </p:childTnLst>
+                                </p:cTn>
+                              </p:par>
+                              <p:par>
+                                <p:cTn fill="hold" nodeType="withEffect" presetClass="entr" presetID="1" presetSubtype="0">
+                                  <p:stCondLst>
+                                    <p:cond delay="0"/>
+                                  </p:stCondLst>
+                                  <p:childTnLst>
+                                    <p:set>
+                                      <p:cBhvr>
+                                        <p:cTn dur="1" fill="hold">
+                                          <p:stCondLst>
+                                            <p:cond delay="0"/>
+                                          </p:stCondLst>
+                                        </p:cTn>
+                                        <p:tgtEl>
+                                          <p:spTgt spid="202"/>
+                                        </p:tgtEl>
+                                        <p:attrNameLst>
+                                          <p:attrName>style.visibility</p:attrName>
+                                        </p:attrNameLst>
+                                      </p:cBhvr>
+                                      <p:to>
+                                        <p:strVal val="visible"/>
+                                      </p:to>
+                                    </p:set>
+                                  </p:childTnLst>
+                                </p:cTn>
+                              </p:par>
+                              <p:par>
+                                <p:cTn fill="hold" nodeType="withEffect" presetClass="entr" presetID="1" presetSubtype="0">
+                                  <p:stCondLst>
+                                    <p:cond delay="0"/>
+                                  </p:stCondLst>
+                                  <p:childTnLst>
+                                    <p:set>
+                                      <p:cBhvr>
+                                        <p:cTn dur="1" fill="hold">
+                                          <p:stCondLst>
+                                            <p:cond delay="0"/>
+                                          </p:stCondLst>
+                                        </p:cTn>
+                                        <p:tgtEl>
+                                          <p:spTgt spid="203"/>
+                                        </p:tgtEl>
+                                        <p:attrNameLst>
+                                          <p:attrName>style.visibility</p:attrName>
+                                        </p:attrNameLst>
+                                      </p:cBhvr>
+                                      <p:to>
+                                        <p:strVal val="visible"/>
+                                      </p:to>
+                                    </p:set>
+                                  </p:childTnLst>
+                                </p:cTn>
+                              </p:par>
+                            </p:childTnLst>
+                          </p:cTn>
+                        </p:par>
+                      </p:childTnLst>
+                    </p:cTn>
+                  </p:par>
+                </p:childTnLst>
+              </p:cTn>
+              <p:prevCondLst>
+                <p:cond evt="onPrev">
+                  <p:tgtEl>
+                    <p:sldTgt/>
+                  </p:tgtEl>
+                </p:cond>
+              </p:prevCondLst>
+              <p:nextCondLst>
+                <p:cond evt="onNext">
+                  <p:tgtEl>
+                    <p:sldTgt/>
+                  </p:tgtEl>
+                </p:cond>
+              </p:nextCondLst>
+            </p:seq>
+          </p:childTnLst>
+        </p:cTn>
+      </p:par>
+    </p:tnLst>
+  </p:timing>
 </p:sld>
 </file>
 
@@ -11692,7 +12028,7 @@
                             </p:stCondLst>
                             <p:childTnLst>
                               <p:par>
-                                <p:cTn fill="hold" nodeType="clickEffect" presetClass="entr" presetID="10" presetSubtype="0">
+                                <p:cTn fill="hold" nodeType="clickEffect" presetClass="entr" presetID="1" presetSubtype="0">
                                   <p:stCondLst>
                                     <p:cond delay="0"/>
                                   </p:stCondLst>
@@ -11715,19 +12051,11 @@
                                         <p:strVal val="visible"/>
                                       </p:to>
                                     </p:set>
-                                    <p:animEffect filter="fade" transition="in">
-                                      <p:cBhvr>
-                                        <p:cTn dur="900"/>
-                                        <p:tgtEl>
-                                          <p:spTgt spid="245"/>
-                                        </p:tgtEl>
-                                      </p:cBhvr>
-                                    </p:animEffect>
                                   </p:childTnLst>
                                 </p:cTn>
                               </p:par>
                               <p:par>
-                                <p:cTn fill="hold" nodeType="withEffect" presetClass="entr" presetID="10" presetSubtype="0">
+                                <p:cTn fill="hold" nodeType="withEffect" presetClass="entr" presetID="1" presetSubtype="0">
                                   <p:stCondLst>
                                     <p:cond delay="0"/>
                                   </p:stCondLst>
@@ -11750,19 +12078,38 @@
                                         <p:strVal val="visible"/>
                                       </p:to>
                                     </p:set>
-                                    <p:animEffect filter="fade" transition="in">
-                                      <p:cBhvr>
-                                        <p:cTn dur="1000"/>
-                                        <p:tgtEl>
-                                          <p:spTgt spid="248"/>
-                                        </p:tgtEl>
-                                      </p:cBhvr>
-                                    </p:animEffect>
                                   </p:childTnLst>
                                 </p:cTn>
                               </p:par>
                               <p:par>
-                                <p:cTn fill="hold" nodeType="withEffect" presetClass="entr" presetID="10" presetSubtype="0">
+                                <p:cTn fill="hold" nodeType="withEffect" presetClass="entr" presetID="1" presetSubtype="0">
+                                  <p:stCondLst>
+                                    <p:cond delay="0"/>
+                                  </p:stCondLst>
+                                  <p:childTnLst>
+                                    <p:set>
+                                      <p:cBhvr>
+                                        <p:cTn dur="1" fill="hold">
+                                          <p:stCondLst>
+                                            <p:cond delay="0"/>
+                                          </p:stCondLst>
+                                        </p:cTn>
+                                        <p:tgtEl>
+                                          <p:spTgt spid="250"/>
+                                        </p:tgtEl>
+                                        <p:attrNameLst>
+                                          <p:attrName>style.visibility</p:attrName>
+                                        </p:attrNameLst>
+                                      </p:cBhvr>
+                                      <p:to>
+                                        <p:strVal val="visible"/>
+                                      </p:to>
+                                    </p:set>
+                                  </p:childTnLst>
+                                </p:cTn>
+                              </p:par>
+                              <p:par>
+                                <p:cTn fill="hold" nodeType="withEffect" presetClass="entr" presetID="1" presetSubtype="0">
                                   <p:stCondLst>
                                     <p:cond delay="0"/>
                                   </p:stCondLst>
@@ -11785,14 +12132,6 @@
                                         <p:strVal val="visible"/>
                                       </p:to>
                                     </p:set>
-                                    <p:animEffect filter="fade" transition="in">
-                                      <p:cBhvr>
-                                        <p:cTn dur="1000"/>
-                                        <p:tgtEl>
-                                          <p:spTgt spid="242"/>
-                                        </p:tgtEl>
-                                      </p:cBhvr>
-                                    </p:animEffect>
                                   </p:childTnLst>
                                 </p:cTn>
                               </p:par>
@@ -11815,7 +12154,7 @@
                             </p:stCondLst>
                             <p:childTnLst>
                               <p:par>
-                                <p:cTn fill="hold" nodeType="clickEffect" presetClass="entr" presetID="10" presetSubtype="0">
+                                <p:cTn fill="hold" nodeType="clickEffect" presetClass="entr" presetID="1" presetSubtype="0">
                                   <p:stCondLst>
                                     <p:cond delay="0"/>
                                   </p:stCondLst>
@@ -11838,19 +12177,11 @@
                                         <p:strVal val="visible"/>
                                       </p:to>
                                     </p:set>
-                                    <p:animEffect filter="fade" transition="in">
-                                      <p:cBhvr>
-                                        <p:cTn dur="1000"/>
-                                        <p:tgtEl>
-                                          <p:spTgt spid="241"/>
-                                        </p:tgtEl>
-                                      </p:cBhvr>
-                                    </p:animEffect>
                                   </p:childTnLst>
                                 </p:cTn>
                               </p:par>
                               <p:par>
-                                <p:cTn fill="hold" nodeType="withEffect" presetClass="entr" presetID="10" presetSubtype="0">
+                                <p:cTn fill="hold" nodeType="withEffect" presetClass="entr" presetID="1" presetSubtype="0">
                                   <p:stCondLst>
                                     <p:cond delay="0"/>
                                   </p:stCondLst>
@@ -11873,19 +12204,38 @@
                                         <p:strVal val="visible"/>
                                       </p:to>
                                     </p:set>
-                                    <p:animEffect filter="fade" transition="in">
-                                      <p:cBhvr>
-                                        <p:cTn dur="1000"/>
-                                        <p:tgtEl>
-                                          <p:spTgt spid="247"/>
-                                        </p:tgtEl>
-                                      </p:cBhvr>
-                                    </p:animEffect>
                                   </p:childTnLst>
                                 </p:cTn>
                               </p:par>
                               <p:par>
-                                <p:cTn fill="hold" nodeType="withEffect" presetClass="entr" presetID="10" presetSubtype="0">
+                                <p:cTn fill="hold" nodeType="withEffect" presetClass="entr" presetID="1" presetSubtype="0">
+                                  <p:stCondLst>
+                                    <p:cond delay="0"/>
+                                  </p:stCondLst>
+                                  <p:childTnLst>
+                                    <p:set>
+                                      <p:cBhvr>
+                                        <p:cTn dur="1" fill="hold">
+                                          <p:stCondLst>
+                                            <p:cond delay="0"/>
+                                          </p:stCondLst>
+                                        </p:cTn>
+                                        <p:tgtEl>
+                                          <p:spTgt spid="251"/>
+                                        </p:tgtEl>
+                                        <p:attrNameLst>
+                                          <p:attrName>style.visibility</p:attrName>
+                                        </p:attrNameLst>
+                                      </p:cBhvr>
+                                      <p:to>
+                                        <p:strVal val="visible"/>
+                                      </p:to>
+                                    </p:set>
+                                  </p:childTnLst>
+                                </p:cTn>
+                              </p:par>
+                              <p:par>
+                                <p:cTn fill="hold" nodeType="withEffect" presetClass="entr" presetID="1" presetSubtype="0">
                                   <p:stCondLst>
                                     <p:cond delay="0"/>
                                   </p:stCondLst>
@@ -11908,14 +12258,6 @@
                                         <p:strVal val="visible"/>
                                       </p:to>
                                     </p:set>
-                                    <p:animEffect filter="fade" transition="in">
-                                      <p:cBhvr>
-                                        <p:cTn dur="1000"/>
-                                        <p:tgtEl>
-                                          <p:spTgt spid="244"/>
-                                        </p:tgtEl>
-                                      </p:cBhvr>
-                                    </p:animEffect>
                                   </p:childTnLst>
                                 </p:cTn>
                               </p:par>
@@ -12204,7 +12546,7 @@
             <a:tbl>
               <a:tblPr>
                 <a:noFill/>
-                <a:tableStyleId>{BE368775-88C8-4AEE-957C-35399887C505}</a:tableStyleId>
+                <a:tableStyleId>{E098FCDF-2C7A-4C14-82A0-33F3BCC878D1}</a:tableStyleId>
               </a:tblPr>
               <a:tblGrid>
                 <a:gridCol w="3648075"/>
@@ -13590,7 +13932,7 @@
         </p:nvSpPr>
         <p:spPr>
           <a:xfrm>
-            <a:off x="436950" y="1585500"/>
+            <a:off x="149550" y="1447925"/>
             <a:ext cx="3807600" cy="474300"/>
           </a:xfrm>
           <a:prstGeom prst="rect">
@@ -13642,7 +13984,7 @@
         </p:nvSpPr>
         <p:spPr>
           <a:xfrm>
-            <a:off x="2172250" y="2033750"/>
+            <a:off x="2648350" y="1572875"/>
             <a:ext cx="1513500" cy="349500"/>
           </a:xfrm>
           <a:prstGeom prst="rect">
@@ -13692,7 +14034,7 @@
         </p:nvSpPr>
         <p:spPr>
           <a:xfrm>
-            <a:off x="3969950" y="2033750"/>
+            <a:off x="4446050" y="1572875"/>
             <a:ext cx="806700" cy="349500"/>
           </a:xfrm>
           <a:prstGeom prst="rect">
@@ -13742,7 +14084,7 @@
         </p:nvSpPr>
         <p:spPr>
           <a:xfrm>
-            <a:off x="2936675" y="3943800"/>
+            <a:off x="3412775" y="3482925"/>
             <a:ext cx="2629500" cy="424500"/>
           </a:xfrm>
           <a:prstGeom prst="rect">
@@ -13792,7 +14134,7 @@
         </p:nvSpPr>
         <p:spPr>
           <a:xfrm>
-            <a:off x="4593200" y="2570575"/>
+            <a:off x="5069300" y="2109700"/>
             <a:ext cx="1383000" cy="1086000"/>
           </a:xfrm>
           <a:prstGeom prst="downArrow">
@@ -13844,7 +14186,7 @@
         </p:nvSpPr>
         <p:spPr>
           <a:xfrm>
-            <a:off x="3695325" y="2083700"/>
+            <a:off x="4171425" y="1622825"/>
             <a:ext cx="274500" cy="299400"/>
           </a:xfrm>
           <a:prstGeom prst="mathPlus">
@@ -13895,7 +14237,7 @@
         </p:nvSpPr>
         <p:spPr>
           <a:xfrm>
-            <a:off x="5792750" y="2058725"/>
+            <a:off x="6268850" y="1597850"/>
             <a:ext cx="1513500" cy="349500"/>
           </a:xfrm>
           <a:prstGeom prst="rect">
@@ -13945,7 +14287,7 @@
         </p:nvSpPr>
         <p:spPr>
           <a:xfrm>
-            <a:off x="7590450" y="2058725"/>
+            <a:off x="8066550" y="1597850"/>
             <a:ext cx="806700" cy="349500"/>
           </a:xfrm>
           <a:prstGeom prst="rect">
@@ -13995,7 +14337,7 @@
         </p:nvSpPr>
         <p:spPr>
           <a:xfrm>
-            <a:off x="7315825" y="2108675"/>
+            <a:off x="7791925" y="1647800"/>
             <a:ext cx="274500" cy="299400"/>
           </a:xfrm>
           <a:prstGeom prst="mathPlus">
@@ -14046,7 +14388,7 @@
         </p:nvSpPr>
         <p:spPr>
           <a:xfrm>
-            <a:off x="5106050" y="2058725"/>
+            <a:off x="5582150" y="1597850"/>
             <a:ext cx="366000" cy="349500"/>
           </a:xfrm>
           <a:prstGeom prst="mathPlus">
@@ -14097,7 +14439,7 @@
         </p:nvSpPr>
         <p:spPr>
           <a:xfrm>
-            <a:off x="5566175" y="3981300"/>
+            <a:off x="6042275" y="3520425"/>
             <a:ext cx="1069800" cy="349500"/>
           </a:xfrm>
           <a:prstGeom prst="rect">
@@ -14147,7 +14489,7 @@
         </p:nvSpPr>
         <p:spPr>
           <a:xfrm>
-            <a:off x="7319700" y="3943800"/>
+            <a:off x="7795800" y="3482925"/>
             <a:ext cx="1348200" cy="424500"/>
           </a:xfrm>
           <a:prstGeom prst="rect">
@@ -14197,7 +14539,7 @@
         </p:nvSpPr>
         <p:spPr>
           <a:xfrm>
-            <a:off x="6738296" y="3918900"/>
+            <a:off x="7214396" y="3458025"/>
             <a:ext cx="479100" cy="474300"/>
           </a:xfrm>
           <a:prstGeom prst="mathMinus">
@@ -14982,7 +15324,7 @@
         </p:nvSpPr>
         <p:spPr>
           <a:xfrm>
-            <a:off x="4811145" y="4141925"/>
+            <a:off x="4690870" y="4141925"/>
             <a:ext cx="2869800" cy="623700"/>
           </a:xfrm>
           <a:prstGeom prst="rect">
@@ -15031,18 +15373,6 @@
   <p:clrMapOvr>
     <a:masterClrMapping/>
   </p:clrMapOvr>
-  <mc:AlternateContent>
-    <mc:Choice Requires="p14">
-      <p:transition spd="slow" p14:dur="1000">
-        <p:fade/>
-      </p:transition>
-    </mc:Choice>
-    <mc:Fallback>
-      <p:transition spd="slow">
-        <p:fade/>
-      </p:transition>
-    </mc:Fallback>
-  </mc:AlternateContent>
   <p:timing>
     <p:tnLst>
       <p:par>
@@ -15064,7 +15394,7 @@
                             </p:stCondLst>
                             <p:childTnLst>
                               <p:par>
-                                <p:cTn fill="hold" nodeType="clickEffect" presetClass="entr" presetID="10" presetSubtype="0">
+                                <p:cTn fill="hold" nodeType="clickEffect" presetClass="entr" presetID="1" presetSubtype="0">
                                   <p:stCondLst>
                                     <p:cond delay="0"/>
                                   </p:stCondLst>
@@ -15087,14 +15417,6 @@
                                         <p:strVal val="visible"/>
                                       </p:to>
                                     </p:set>
-                                    <p:animEffect filter="fade" transition="in">
-                                      <p:cBhvr>
-                                        <p:cTn dur="1000"/>
-                                        <p:tgtEl>
-                                          <p:spTgt spid="112"/>
-                                        </p:tgtEl>
-                                      </p:cBhvr>
-                                    </p:animEffect>
                                   </p:childTnLst>
                                 </p:cTn>
                               </p:par>
@@ -16624,18 +16946,6 @@
   <p:clrMapOvr>
     <a:masterClrMapping/>
   </p:clrMapOvr>
-  <mc:AlternateContent>
-    <mc:Choice Requires="p14">
-      <p:transition spd="slow" p14:dur="1000">
-        <p:fade/>
-      </p:transition>
-    </mc:Choice>
-    <mc:Fallback>
-      <p:transition spd="slow">
-        <p:fade/>
-      </p:transition>
-    </mc:Fallback>
-  </mc:AlternateContent>
 </p:sld>
 </file>
 
@@ -17152,6 +17462,135 @@
   <p:clrMapOvr>
     <a:masterClrMapping/>
   </p:clrMapOvr>
+  <p:timing>
+    <p:tnLst>
+      <p:par>
+        <p:cTn dur="indefinite" nodeType="tmRoot" restart="never">
+          <p:childTnLst>
+            <p:seq concurrent="1" nextAc="seek">
+              <p:cTn dur="indefinite" id="2" nodeType="mainSeq">
+                <p:childTnLst>
+                  <p:par>
+                    <p:cTn fill="hold">
+                      <p:stCondLst>
+                        <p:cond delay="indefinite"/>
+                      </p:stCondLst>
+                      <p:childTnLst>
+                        <p:par>
+                          <p:cTn fill="hold">
+                            <p:stCondLst>
+                              <p:cond delay="0"/>
+                            </p:stCondLst>
+                            <p:childTnLst>
+                              <p:par>
+                                <p:cTn fill="hold" nodeType="clickEffect" presetClass="entr" presetID="1" presetSubtype="0">
+                                  <p:stCondLst>
+                                    <p:cond delay="0"/>
+                                  </p:stCondLst>
+                                  <p:childTnLst>
+                                    <p:set>
+                                      <p:cBhvr>
+                                        <p:cTn dur="1" fill="hold">
+                                          <p:stCondLst>
+                                            <p:cond delay="0"/>
+                                          </p:stCondLst>
+                                        </p:cTn>
+                                        <p:tgtEl>
+                                          <p:spTgt spid="158"/>
+                                        </p:tgtEl>
+                                        <p:attrNameLst>
+                                          <p:attrName>style.visibility</p:attrName>
+                                        </p:attrNameLst>
+                                      </p:cBhvr>
+                                      <p:to>
+                                        <p:strVal val="visible"/>
+                                      </p:to>
+                                    </p:set>
+                                  </p:childTnLst>
+                                </p:cTn>
+                              </p:par>
+                              <p:par>
+                                <p:cTn fill="hold" nodeType="withEffect" presetClass="entr" presetID="1" presetSubtype="0">
+                                  <p:stCondLst>
+                                    <p:cond delay="0"/>
+                                  </p:stCondLst>
+                                  <p:childTnLst>
+                                    <p:set>
+                                      <p:cBhvr>
+                                        <p:cTn dur="1" fill="hold">
+                                          <p:stCondLst>
+                                            <p:cond delay="0"/>
+                                          </p:stCondLst>
+                                        </p:cTn>
+                                        <p:tgtEl>
+                                          <p:spTgt spid="159"/>
+                                        </p:tgtEl>
+                                        <p:attrNameLst>
+                                          <p:attrName>style.visibility</p:attrName>
+                                        </p:attrNameLst>
+                                      </p:cBhvr>
+                                      <p:to>
+                                        <p:strVal val="visible"/>
+                                      </p:to>
+                                    </p:set>
+                                  </p:childTnLst>
+                                </p:cTn>
+                              </p:par>
+                              <p:par>
+                                <p:cTn fill="hold" nodeType="withEffect" presetClass="entr" presetID="1" presetSubtype="0">
+                                  <p:stCondLst>
+                                    <p:cond delay="0"/>
+                                  </p:stCondLst>
+                                  <p:childTnLst>
+                                    <p:set>
+                                      <p:cBhvr>
+                                        <p:cTn dur="1" fill="hold">
+                                          <p:stCondLst>
+                                            <p:cond delay="0"/>
+                                          </p:stCondLst>
+                                        </p:cTn>
+                                        <p:tgtEl>
+                                          <p:spTgt spid="160"/>
+                                        </p:tgtEl>
+                                        <p:attrNameLst>
+                                          <p:attrName>style.visibility</p:attrName>
+                                        </p:attrNameLst>
+                                      </p:cBhvr>
+                                      <p:to>
+                                        <p:strVal val="visible"/>
+                                      </p:to>
+                                    </p:set>
+                                  </p:childTnLst>
+                                </p:cTn>
+                              </p:par>
+                            </p:childTnLst>
+                          </p:cTn>
+                        </p:par>
+                      </p:childTnLst>
+                    </p:cTn>
+                  </p:par>
+                </p:childTnLst>
+              </p:cTn>
+              <p:prevCondLst>
+                <p:cond evt="onPrev">
+                  <p:tgtEl>
+                    <p:sldTgt/>
+                  </p:tgtEl>
+                </p:cond>
+              </p:prevCondLst>
+              <p:nextCondLst>
+                <p:cond evt="onNext">
+                  <p:tgtEl>
+                    <p:sldTgt/>
+                  </p:tgtEl>
+                </p:cond>
+              </p:nextCondLst>
+            </p:seq>
+          </p:childTnLst>
+        </p:cTn>
+      </p:par>
+    </p:tnLst>
+  </p:timing>
 </p:sld>
 </file>
 

--- a/FPU.pptx
+++ b/FPU.pptx
@@ -28,23 +28,26 @@
     <p:sldId id="273" r:id="rId24"/>
     <p:sldId id="274" r:id="rId25"/>
     <p:sldId id="275" r:id="rId26"/>
+    <p:sldId id="276" r:id="rId27"/>
+    <p:sldId id="277" r:id="rId28"/>
+    <p:sldId id="278" r:id="rId29"/>
   </p:sldIdLst>
   <p:sldSz cy="5143500" cx="9144000"/>
   <p:notesSz cx="6858000" cy="9144000"/>
   <p:embeddedFontLst>
     <p:embeddedFont>
       <p:font typeface="Roboto"/>
-      <p:regular r:id="rId27"/>
-      <p:bold r:id="rId28"/>
-      <p:italic r:id="rId29"/>
-      <p:boldItalic r:id="rId30"/>
+      <p:regular r:id="rId30"/>
+      <p:bold r:id="rId31"/>
+      <p:italic r:id="rId32"/>
+      <p:boldItalic r:id="rId33"/>
     </p:embeddedFont>
     <p:embeddedFont>
       <p:font typeface="Merriweather"/>
-      <p:regular r:id="rId31"/>
-      <p:bold r:id="rId32"/>
-      <p:italic r:id="rId33"/>
-      <p:boldItalic r:id="rId34"/>
+      <p:regular r:id="rId34"/>
+      <p:bold r:id="rId35"/>
+      <p:italic r:id="rId36"/>
+      <p:boldItalic r:id="rId37"/>
     </p:embeddedFont>
   </p:embeddedFontLst>
   <p:defaultTextStyle>
@@ -1962,6 +1965,303 @@
       <p:sp>
         <p:nvSpPr>
           <p:cNvPr id="275" name="Google Shape;275;g5b70c88ea4_0_327:notes"/>
+          <p:cNvSpPr txBox="1"/>
+          <p:nvPr>
+            <p:ph idx="1" type="body"/>
+          </p:nvPr>
+        </p:nvSpPr>
+        <p:spPr>
+          <a:xfrm>
+            <a:off x="685800" y="4343400"/>
+            <a:ext cx="5486400" cy="4114800"/>
+          </a:xfrm>
+          <a:prstGeom prst="rect">
+            <a:avLst/>
+          </a:prstGeom>
+        </p:spPr>
+        <p:txBody>
+          <a:bodyPr anchorCtr="0" anchor="t" bIns="91425" lIns="91425" spcFirstLastPara="1" rIns="91425" wrap="square" tIns="91425">
+            <a:noAutofit/>
+          </a:bodyPr>
+          <a:lstStyle/>
+          <a:p>
+            <a:pPr indent="0" lvl="0" marL="0" rtl="0" algn="l">
+              <a:spcBef>
+                <a:spcPts val="0"/>
+              </a:spcBef>
+              <a:spcAft>
+                <a:spcPts val="0"/>
+              </a:spcAft>
+              <a:buNone/>
+            </a:pPr>
+            <a:r>
+              <a:t/>
+            </a:r>
+            <a:endParaRPr/>
+          </a:p>
+        </p:txBody>
+      </p:sp>
+    </p:spTree>
+  </p:cSld>
+  <p:clrMapOvr>
+    <a:masterClrMapping/>
+  </p:clrMapOvr>
+</p:notes>
+</file>
+
+<file path=ppt/notesSlides/notesSlide21.xml><?xml version="1.0" encoding="utf-8"?>
+<p:notes xmlns:a="http://schemas.openxmlformats.org/drawingml/2006/main" xmlns:r="http://schemas.openxmlformats.org/officeDocument/2006/relationships" xmlns:mc="http://schemas.openxmlformats.org/markup-compatibility/2006" xmlns:mv="urn:schemas-microsoft-com:mac:vml" xmlns:p="http://schemas.openxmlformats.org/presentationml/2006/main" xmlns:c="http://schemas.openxmlformats.org/drawingml/2006/chart" xmlns:dgm="http://schemas.openxmlformats.org/drawingml/2006/diagram" xmlns:o="urn:schemas-microsoft-com:office:office" xmlns:v="urn:schemas-microsoft-com:vml" xmlns:pvml="urn:schemas-microsoft-com:office:powerpoint" xmlns:com="http://schemas.openxmlformats.org/drawingml/2006/compatibility" xmlns:p14="http://schemas.microsoft.com/office/powerpoint/2010/main" xmlns:p15="http://schemas.microsoft.com/office/powerpoint/2012/main" showMasterPhAnim="0" showMasterSp="0">
+  <p:cSld>
+    <p:spTree>
+      <p:nvGrpSpPr>
+        <p:cNvPr id="279" name="Shape 279"/>
+        <p:cNvGrpSpPr/>
+        <p:nvPr/>
+      </p:nvGrpSpPr>
+      <p:grpSpPr>
+        <a:xfrm>
+          <a:off x="0" y="0"/>
+          <a:ext cx="0" cy="0"/>
+          <a:chOff x="0" y="0"/>
+          <a:chExt cx="0" cy="0"/>
+        </a:xfrm>
+      </p:grpSpPr>
+      <p:sp>
+        <p:nvSpPr>
+          <p:cNvPr id="280" name="Google Shape;280;g599ad54ba5_0_0:notes"/>
+          <p:cNvSpPr/>
+          <p:nvPr>
+            <p:ph idx="2" type="sldImg"/>
+          </p:nvPr>
+        </p:nvSpPr>
+        <p:spPr>
+          <a:xfrm>
+            <a:off x="381300" y="685800"/>
+            <a:ext cx="6096000" cy="3429000"/>
+          </a:xfrm>
+          <a:custGeom>
+            <a:rect b="b" l="l" r="r" t="t"/>
+            <a:pathLst>
+              <a:path extrusionOk="0" h="120000" w="120000">
+                <a:moveTo>
+                  <a:pt x="0" y="0"/>
+                </a:moveTo>
+                <a:lnTo>
+                  <a:pt x="120000" y="0"/>
+                </a:lnTo>
+                <a:lnTo>
+                  <a:pt x="120000" y="120000"/>
+                </a:lnTo>
+                <a:lnTo>
+                  <a:pt x="0" y="120000"/>
+                </a:lnTo>
+                <a:close/>
+              </a:path>
+            </a:pathLst>
+          </a:custGeom>
+        </p:spPr>
+      </p:sp>
+      <p:sp>
+        <p:nvSpPr>
+          <p:cNvPr id="281" name="Google Shape;281;g599ad54ba5_0_0:notes"/>
+          <p:cNvSpPr txBox="1"/>
+          <p:nvPr>
+            <p:ph idx="1" type="body"/>
+          </p:nvPr>
+        </p:nvSpPr>
+        <p:spPr>
+          <a:xfrm>
+            <a:off x="685800" y="4343400"/>
+            <a:ext cx="5486400" cy="4114800"/>
+          </a:xfrm>
+          <a:prstGeom prst="rect">
+            <a:avLst/>
+          </a:prstGeom>
+        </p:spPr>
+        <p:txBody>
+          <a:bodyPr anchorCtr="0" anchor="t" bIns="91425" lIns="91425" spcFirstLastPara="1" rIns="91425" wrap="square" tIns="91425">
+            <a:noAutofit/>
+          </a:bodyPr>
+          <a:lstStyle/>
+          <a:p>
+            <a:pPr indent="0" lvl="0" marL="0" rtl="0" algn="l">
+              <a:spcBef>
+                <a:spcPts val="0"/>
+              </a:spcBef>
+              <a:spcAft>
+                <a:spcPts val="0"/>
+              </a:spcAft>
+              <a:buNone/>
+            </a:pPr>
+            <a:r>
+              <a:t/>
+            </a:r>
+            <a:endParaRPr/>
+          </a:p>
+        </p:txBody>
+      </p:sp>
+    </p:spTree>
+  </p:cSld>
+  <p:clrMapOvr>
+    <a:masterClrMapping/>
+  </p:clrMapOvr>
+</p:notes>
+</file>
+
+<file path=ppt/notesSlides/notesSlide22.xml><?xml version="1.0" encoding="utf-8"?>
+<p:notes xmlns:a="http://schemas.openxmlformats.org/drawingml/2006/main" xmlns:r="http://schemas.openxmlformats.org/officeDocument/2006/relationships" xmlns:mc="http://schemas.openxmlformats.org/markup-compatibility/2006" xmlns:mv="urn:schemas-microsoft-com:mac:vml" xmlns:p="http://schemas.openxmlformats.org/presentationml/2006/main" xmlns:c="http://schemas.openxmlformats.org/drawingml/2006/chart" xmlns:dgm="http://schemas.openxmlformats.org/drawingml/2006/diagram" xmlns:o="urn:schemas-microsoft-com:office:office" xmlns:v="urn:schemas-microsoft-com:vml" xmlns:pvml="urn:schemas-microsoft-com:office:powerpoint" xmlns:com="http://schemas.openxmlformats.org/drawingml/2006/compatibility" xmlns:p14="http://schemas.microsoft.com/office/powerpoint/2010/main" xmlns:p15="http://schemas.microsoft.com/office/powerpoint/2012/main" showMasterPhAnim="0" showMasterSp="0">
+  <p:cSld>
+    <p:spTree>
+      <p:nvGrpSpPr>
+        <p:cNvPr id="285" name="Shape 285"/>
+        <p:cNvGrpSpPr/>
+        <p:nvPr/>
+      </p:nvGrpSpPr>
+      <p:grpSpPr>
+        <a:xfrm>
+          <a:off x="0" y="0"/>
+          <a:ext cx="0" cy="0"/>
+          <a:chOff x="0" y="0"/>
+          <a:chExt cx="0" cy="0"/>
+        </a:xfrm>
+      </p:grpSpPr>
+      <p:sp>
+        <p:nvSpPr>
+          <p:cNvPr id="286" name="Google Shape;286;g599ad54ba5_0_13:notes"/>
+          <p:cNvSpPr/>
+          <p:nvPr>
+            <p:ph idx="2" type="sldImg"/>
+          </p:nvPr>
+        </p:nvSpPr>
+        <p:spPr>
+          <a:xfrm>
+            <a:off x="381300" y="685800"/>
+            <a:ext cx="6096000" cy="3429000"/>
+          </a:xfrm>
+          <a:custGeom>
+            <a:rect b="b" l="l" r="r" t="t"/>
+            <a:pathLst>
+              <a:path extrusionOk="0" h="120000" w="120000">
+                <a:moveTo>
+                  <a:pt x="0" y="0"/>
+                </a:moveTo>
+                <a:lnTo>
+                  <a:pt x="120000" y="0"/>
+                </a:lnTo>
+                <a:lnTo>
+                  <a:pt x="120000" y="120000"/>
+                </a:lnTo>
+                <a:lnTo>
+                  <a:pt x="0" y="120000"/>
+                </a:lnTo>
+                <a:close/>
+              </a:path>
+            </a:pathLst>
+          </a:custGeom>
+        </p:spPr>
+      </p:sp>
+      <p:sp>
+        <p:nvSpPr>
+          <p:cNvPr id="287" name="Google Shape;287;g599ad54ba5_0_13:notes"/>
+          <p:cNvSpPr txBox="1"/>
+          <p:nvPr>
+            <p:ph idx="1" type="body"/>
+          </p:nvPr>
+        </p:nvSpPr>
+        <p:spPr>
+          <a:xfrm>
+            <a:off x="685800" y="4343400"/>
+            <a:ext cx="5486400" cy="4114800"/>
+          </a:xfrm>
+          <a:prstGeom prst="rect">
+            <a:avLst/>
+          </a:prstGeom>
+        </p:spPr>
+        <p:txBody>
+          <a:bodyPr anchorCtr="0" anchor="t" bIns="91425" lIns="91425" spcFirstLastPara="1" rIns="91425" wrap="square" tIns="91425">
+            <a:noAutofit/>
+          </a:bodyPr>
+          <a:lstStyle/>
+          <a:p>
+            <a:pPr indent="0" lvl="0" marL="0" rtl="0" algn="l">
+              <a:spcBef>
+                <a:spcPts val="0"/>
+              </a:spcBef>
+              <a:spcAft>
+                <a:spcPts val="0"/>
+              </a:spcAft>
+              <a:buNone/>
+            </a:pPr>
+            <a:r>
+              <a:t/>
+            </a:r>
+            <a:endParaRPr/>
+          </a:p>
+        </p:txBody>
+      </p:sp>
+    </p:spTree>
+  </p:cSld>
+  <p:clrMapOvr>
+    <a:masterClrMapping/>
+  </p:clrMapOvr>
+</p:notes>
+</file>
+
+<file path=ppt/notesSlides/notesSlide23.xml><?xml version="1.0" encoding="utf-8"?>
+<p:notes xmlns:a="http://schemas.openxmlformats.org/drawingml/2006/main" xmlns:r="http://schemas.openxmlformats.org/officeDocument/2006/relationships" xmlns:mc="http://schemas.openxmlformats.org/markup-compatibility/2006" xmlns:mv="urn:schemas-microsoft-com:mac:vml" xmlns:p="http://schemas.openxmlformats.org/presentationml/2006/main" xmlns:c="http://schemas.openxmlformats.org/drawingml/2006/chart" xmlns:dgm="http://schemas.openxmlformats.org/drawingml/2006/diagram" xmlns:o="urn:schemas-microsoft-com:office:office" xmlns:v="urn:schemas-microsoft-com:vml" xmlns:pvml="urn:schemas-microsoft-com:office:powerpoint" xmlns:com="http://schemas.openxmlformats.org/drawingml/2006/compatibility" xmlns:p14="http://schemas.microsoft.com/office/powerpoint/2010/main" xmlns:p15="http://schemas.microsoft.com/office/powerpoint/2012/main" showMasterPhAnim="0" showMasterSp="0">
+  <p:cSld>
+    <p:spTree>
+      <p:nvGrpSpPr>
+        <p:cNvPr id="291" name="Shape 291"/>
+        <p:cNvGrpSpPr/>
+        <p:nvPr/>
+      </p:nvGrpSpPr>
+      <p:grpSpPr>
+        <a:xfrm>
+          <a:off x="0" y="0"/>
+          <a:ext cx="0" cy="0"/>
+          <a:chOff x="0" y="0"/>
+          <a:chExt cx="0" cy="0"/>
+        </a:xfrm>
+      </p:grpSpPr>
+      <p:sp>
+        <p:nvSpPr>
+          <p:cNvPr id="292" name="Google Shape;292;g599ad54ba5_0_6:notes"/>
+          <p:cNvSpPr/>
+          <p:nvPr>
+            <p:ph idx="2" type="sldImg"/>
+          </p:nvPr>
+        </p:nvSpPr>
+        <p:spPr>
+          <a:xfrm>
+            <a:off x="381300" y="685800"/>
+            <a:ext cx="6096000" cy="3429000"/>
+          </a:xfrm>
+          <a:custGeom>
+            <a:rect b="b" l="l" r="r" t="t"/>
+            <a:pathLst>
+              <a:path extrusionOk="0" h="120000" w="120000">
+                <a:moveTo>
+                  <a:pt x="0" y="0"/>
+                </a:moveTo>
+                <a:lnTo>
+                  <a:pt x="120000" y="0"/>
+                </a:lnTo>
+                <a:lnTo>
+                  <a:pt x="120000" y="120000"/>
+                </a:lnTo>
+                <a:lnTo>
+                  <a:pt x="0" y="120000"/>
+                </a:lnTo>
+                <a:close/>
+              </a:path>
+            </a:pathLst>
+          </a:custGeom>
+        </p:spPr>
+      </p:sp>
+      <p:sp>
+        <p:nvSpPr>
+          <p:cNvPr id="293" name="Google Shape;293;g599ad54ba5_0_6:notes"/>
           <p:cNvSpPr txBox="1"/>
           <p:nvPr>
             <p:ph idx="1" type="body"/>
@@ -10540,7 +10840,7 @@
         <p:spPr>
           <a:xfrm>
             <a:off x="7902325" y="3454300"/>
-            <a:ext cx="349500" cy="299700"/>
+            <a:ext cx="474900" cy="299700"/>
           </a:xfrm>
           <a:prstGeom prst="rect">
             <a:avLst/>
@@ -12476,8 +12776,8 @@
         </p:nvSpPr>
         <p:spPr>
           <a:xfrm>
-            <a:off x="652800" y="-957750"/>
-            <a:ext cx="8367900" cy="2419800"/>
+            <a:off x="375750" y="2008800"/>
+            <a:ext cx="8392500" cy="1125900"/>
           </a:xfrm>
           <a:prstGeom prst="rect">
             <a:avLst/>
@@ -12546,7 +12846,7 @@
             <a:tbl>
               <a:tblPr>
                 <a:noFill/>
-                <a:tableStyleId>{E098FCDF-2C7A-4C14-82A0-33F3BCC878D1}</a:tableStyleId>
+                <a:tableStyleId>{D201C2AD-F35B-4213-B9E8-596F96C9BA6D}</a:tableStyleId>
               </a:tblPr>
               <a:tblGrid>
                 <a:gridCol w="3648075"/>
@@ -13710,6 +14010,422 @@
 </p:sld>
 </file>
 
+<file path=ppt/slides/slide21.xml><?xml version="1.0" encoding="utf-8"?>
+<p:sld xmlns:a="http://schemas.openxmlformats.org/drawingml/2006/main" xmlns:r="http://schemas.openxmlformats.org/officeDocument/2006/relationships" xmlns:mc="http://schemas.openxmlformats.org/markup-compatibility/2006" xmlns:mv="urn:schemas-microsoft-com:mac:vml" xmlns:p="http://schemas.openxmlformats.org/presentationml/2006/main" xmlns:c="http://schemas.openxmlformats.org/drawingml/2006/chart" xmlns:dgm="http://schemas.openxmlformats.org/drawingml/2006/diagram" xmlns:o="urn:schemas-microsoft-com:office:office" xmlns:v="urn:schemas-microsoft-com:vml" xmlns:pvml="urn:schemas-microsoft-com:office:powerpoint" xmlns:com="http://schemas.openxmlformats.org/drawingml/2006/compatibility" xmlns:p14="http://schemas.microsoft.com/office/powerpoint/2010/main" xmlns:p15="http://schemas.microsoft.com/office/powerpoint/2012/main">
+  <p:cSld>
+    <p:spTree>
+      <p:nvGrpSpPr>
+        <p:cNvPr id="282" name="Shape 282"/>
+        <p:cNvGrpSpPr/>
+        <p:nvPr/>
+      </p:nvGrpSpPr>
+      <p:grpSpPr>
+        <a:xfrm>
+          <a:off x="0" y="0"/>
+          <a:ext cx="0" cy="0"/>
+          <a:chOff x="0" y="0"/>
+          <a:chExt cx="0" cy="0"/>
+        </a:xfrm>
+      </p:grpSpPr>
+      <p:sp>
+        <p:nvSpPr>
+          <p:cNvPr id="283" name="Google Shape;283;p33"/>
+          <p:cNvSpPr txBox="1"/>
+          <p:nvPr>
+            <p:ph type="title"/>
+          </p:nvPr>
+        </p:nvSpPr>
+        <p:spPr>
+          <a:xfrm>
+            <a:off x="311725" y="500925"/>
+            <a:ext cx="8520600" cy="623700"/>
+          </a:xfrm>
+          <a:prstGeom prst="rect">
+            <a:avLst/>
+          </a:prstGeom>
+        </p:spPr>
+        <p:txBody>
+          <a:bodyPr anchorCtr="0" anchor="t" bIns="91425" lIns="91425" spcFirstLastPara="1" rIns="91425" wrap="square" tIns="91425">
+            <a:noAutofit/>
+          </a:bodyPr>
+          <a:lstStyle/>
+          <a:p>
+            <a:pPr indent="0" lvl="0" marL="0" rtl="0" algn="l">
+              <a:spcBef>
+                <a:spcPts val="0"/>
+              </a:spcBef>
+              <a:spcAft>
+                <a:spcPts val="0"/>
+              </a:spcAft>
+              <a:buNone/>
+            </a:pPr>
+            <a:r>
+              <a:rPr lang="en"/>
+              <a:t>System Requirements</a:t>
+            </a:r>
+            <a:endParaRPr/>
+          </a:p>
+        </p:txBody>
+      </p:sp>
+      <p:sp>
+        <p:nvSpPr>
+          <p:cNvPr id="284" name="Google Shape;284;p33"/>
+          <p:cNvSpPr txBox="1"/>
+          <p:nvPr/>
+        </p:nvSpPr>
+        <p:spPr>
+          <a:xfrm>
+            <a:off x="482200" y="1461225"/>
+            <a:ext cx="8124300" cy="2162700"/>
+          </a:xfrm>
+          <a:prstGeom prst="rect">
+            <a:avLst/>
+          </a:prstGeom>
+          <a:noFill/>
+          <a:ln>
+            <a:noFill/>
+          </a:ln>
+        </p:spPr>
+        <p:txBody>
+          <a:bodyPr anchorCtr="0" anchor="t" bIns="91425" lIns="91425" spcFirstLastPara="1" rIns="91425" wrap="square" tIns="91425">
+            <a:noAutofit/>
+          </a:bodyPr>
+          <a:lstStyle/>
+          <a:p>
+            <a:pPr indent="-355600" lvl="0" marL="457200" rtl="0" algn="l">
+              <a:spcBef>
+                <a:spcPts val="0"/>
+              </a:spcBef>
+              <a:spcAft>
+                <a:spcPts val="0"/>
+              </a:spcAft>
+              <a:buClr>
+                <a:schemeClr val="accent1"/>
+              </a:buClr>
+              <a:buSzPts val="2000"/>
+              <a:buFont typeface="Roboto"/>
+              <a:buChar char="●"/>
+            </a:pPr>
+            <a:r>
+              <a:rPr lang="en" sz="2000">
+                <a:solidFill>
+                  <a:schemeClr val="accent1"/>
+                </a:solidFill>
+                <a:latin typeface="Roboto"/>
+                <a:ea typeface="Roboto"/>
+                <a:cs typeface="Roboto"/>
+                <a:sym typeface="Roboto"/>
+              </a:rPr>
+              <a:t>Unix based system</a:t>
+            </a:r>
+            <a:endParaRPr sz="2000">
+              <a:solidFill>
+                <a:schemeClr val="accent1"/>
+              </a:solidFill>
+              <a:latin typeface="Roboto"/>
+              <a:ea typeface="Roboto"/>
+              <a:cs typeface="Roboto"/>
+              <a:sym typeface="Roboto"/>
+            </a:endParaRPr>
+          </a:p>
+          <a:p>
+            <a:pPr indent="-355600" lvl="0" marL="457200" rtl="0" algn="l">
+              <a:spcBef>
+                <a:spcPts val="0"/>
+              </a:spcBef>
+              <a:spcAft>
+                <a:spcPts val="0"/>
+              </a:spcAft>
+              <a:buClr>
+                <a:schemeClr val="accent1"/>
+              </a:buClr>
+              <a:buSzPts val="2000"/>
+              <a:buFont typeface="Roboto"/>
+              <a:buChar char="●"/>
+            </a:pPr>
+            <a:r>
+              <a:rPr lang="en" sz="2000">
+                <a:solidFill>
+                  <a:schemeClr val="accent1"/>
+                </a:solidFill>
+                <a:latin typeface="Roboto"/>
+                <a:ea typeface="Roboto"/>
+                <a:cs typeface="Roboto"/>
+                <a:sym typeface="Roboto"/>
+              </a:rPr>
+              <a:t>ModelSim interpreter</a:t>
+            </a:r>
+            <a:endParaRPr sz="2000">
+              <a:solidFill>
+                <a:schemeClr val="accent1"/>
+              </a:solidFill>
+              <a:latin typeface="Roboto"/>
+              <a:ea typeface="Roboto"/>
+              <a:cs typeface="Roboto"/>
+              <a:sym typeface="Roboto"/>
+            </a:endParaRPr>
+          </a:p>
+          <a:p>
+            <a:pPr indent="-355600" lvl="0" marL="457200" rtl="0" algn="l">
+              <a:spcBef>
+                <a:spcPts val="0"/>
+              </a:spcBef>
+              <a:spcAft>
+                <a:spcPts val="0"/>
+              </a:spcAft>
+              <a:buClr>
+                <a:schemeClr val="accent1"/>
+              </a:buClr>
+              <a:buSzPts val="2000"/>
+              <a:buFont typeface="Roboto"/>
+              <a:buChar char="●"/>
+            </a:pPr>
+            <a:r>
+              <a:rPr lang="en" sz="2000">
+                <a:solidFill>
+                  <a:schemeClr val="accent1"/>
+                </a:solidFill>
+                <a:latin typeface="Roboto"/>
+                <a:ea typeface="Roboto"/>
+                <a:cs typeface="Roboto"/>
+                <a:sym typeface="Roboto"/>
+              </a:rPr>
+              <a:t>Python3 </a:t>
+            </a:r>
+            <a:endParaRPr sz="2000">
+              <a:solidFill>
+                <a:schemeClr val="accent1"/>
+              </a:solidFill>
+              <a:latin typeface="Roboto"/>
+              <a:ea typeface="Roboto"/>
+              <a:cs typeface="Roboto"/>
+              <a:sym typeface="Roboto"/>
+            </a:endParaRPr>
+          </a:p>
+        </p:txBody>
+      </p:sp>
+    </p:spTree>
+  </p:cSld>
+  <p:clrMapOvr>
+    <a:masterClrMapping/>
+  </p:clrMapOvr>
+</p:sld>
+</file>
+
+<file path=ppt/slides/slide22.xml><?xml version="1.0" encoding="utf-8"?>
+<p:sld xmlns:a="http://schemas.openxmlformats.org/drawingml/2006/main" xmlns:r="http://schemas.openxmlformats.org/officeDocument/2006/relationships" xmlns:mc="http://schemas.openxmlformats.org/markup-compatibility/2006" xmlns:mv="urn:schemas-microsoft-com:mac:vml" xmlns:p="http://schemas.openxmlformats.org/presentationml/2006/main" xmlns:c="http://schemas.openxmlformats.org/drawingml/2006/chart" xmlns:dgm="http://schemas.openxmlformats.org/drawingml/2006/diagram" xmlns:o="urn:schemas-microsoft-com:office:office" xmlns:v="urn:schemas-microsoft-com:vml" xmlns:pvml="urn:schemas-microsoft-com:office:powerpoint" xmlns:com="http://schemas.openxmlformats.org/drawingml/2006/compatibility" xmlns:p14="http://schemas.microsoft.com/office/powerpoint/2010/main" xmlns:p15="http://schemas.microsoft.com/office/powerpoint/2012/main">
+  <p:cSld>
+    <p:spTree>
+      <p:nvGrpSpPr>
+        <p:cNvPr id="288" name="Shape 288"/>
+        <p:cNvGrpSpPr/>
+        <p:nvPr/>
+      </p:nvGrpSpPr>
+      <p:grpSpPr>
+        <a:xfrm>
+          <a:off x="0" y="0"/>
+          <a:ext cx="0" cy="0"/>
+          <a:chOff x="0" y="0"/>
+          <a:chExt cx="0" cy="0"/>
+        </a:xfrm>
+      </p:grpSpPr>
+      <p:sp>
+        <p:nvSpPr>
+          <p:cNvPr id="289" name="Google Shape;289;p34"/>
+          <p:cNvSpPr txBox="1"/>
+          <p:nvPr>
+            <p:ph type="title"/>
+          </p:nvPr>
+        </p:nvSpPr>
+        <p:spPr>
+          <a:xfrm>
+            <a:off x="311725" y="500925"/>
+            <a:ext cx="8520600" cy="623700"/>
+          </a:xfrm>
+          <a:prstGeom prst="rect">
+            <a:avLst/>
+          </a:prstGeom>
+        </p:spPr>
+        <p:txBody>
+          <a:bodyPr anchorCtr="0" anchor="t" bIns="91425" lIns="91425" spcFirstLastPara="1" rIns="91425" wrap="square" tIns="91425">
+            <a:noAutofit/>
+          </a:bodyPr>
+          <a:lstStyle/>
+          <a:p>
+            <a:pPr indent="0" lvl="0" marL="0" rtl="0" algn="l">
+              <a:spcBef>
+                <a:spcPts val="0"/>
+              </a:spcBef>
+              <a:spcAft>
+                <a:spcPts val="0"/>
+              </a:spcAft>
+              <a:buNone/>
+            </a:pPr>
+            <a:r>
+              <a:rPr lang="en"/>
+              <a:t>Screenshots</a:t>
+            </a:r>
+            <a:endParaRPr/>
+          </a:p>
+        </p:txBody>
+      </p:sp>
+      <p:pic>
+        <p:nvPicPr>
+          <p:cNvPr id="290" name="Google Shape;290;p34"/>
+          <p:cNvPicPr preferRelativeResize="0"/>
+          <p:nvPr/>
+        </p:nvPicPr>
+        <p:blipFill>
+          <a:blip r:embed="rId3">
+            <a:alphaModFix/>
+          </a:blip>
+          <a:stretch>
+            <a:fillRect/>
+          </a:stretch>
+        </p:blipFill>
+        <p:spPr>
+          <a:xfrm>
+            <a:off x="152400" y="1810425"/>
+            <a:ext cx="8839199" cy="2530437"/>
+          </a:xfrm>
+          <a:prstGeom prst="rect">
+            <a:avLst/>
+          </a:prstGeom>
+          <a:noFill/>
+          <a:ln>
+            <a:noFill/>
+          </a:ln>
+        </p:spPr>
+      </p:pic>
+    </p:spTree>
+  </p:cSld>
+  <p:clrMapOvr>
+    <a:masterClrMapping/>
+  </p:clrMapOvr>
+</p:sld>
+</file>
+
+<file path=ppt/slides/slide23.xml><?xml version="1.0" encoding="utf-8"?>
+<p:sld xmlns:a="http://schemas.openxmlformats.org/drawingml/2006/main" xmlns:r="http://schemas.openxmlformats.org/officeDocument/2006/relationships" xmlns:mc="http://schemas.openxmlformats.org/markup-compatibility/2006" xmlns:mv="urn:schemas-microsoft-com:mac:vml" xmlns:p="http://schemas.openxmlformats.org/presentationml/2006/main" xmlns:c="http://schemas.openxmlformats.org/drawingml/2006/chart" xmlns:dgm="http://schemas.openxmlformats.org/drawingml/2006/diagram" xmlns:o="urn:schemas-microsoft-com:office:office" xmlns:v="urn:schemas-microsoft-com:vml" xmlns:pvml="urn:schemas-microsoft-com:office:powerpoint" xmlns:com="http://schemas.openxmlformats.org/drawingml/2006/compatibility" xmlns:p14="http://schemas.microsoft.com/office/powerpoint/2010/main" xmlns:p15="http://schemas.microsoft.com/office/powerpoint/2012/main">
+  <p:cSld>
+    <p:spTree>
+      <p:nvGrpSpPr>
+        <p:cNvPr id="294" name="Shape 294"/>
+        <p:cNvGrpSpPr/>
+        <p:nvPr/>
+      </p:nvGrpSpPr>
+      <p:grpSpPr>
+        <a:xfrm>
+          <a:off x="0" y="0"/>
+          <a:ext cx="0" cy="0"/>
+          <a:chOff x="0" y="0"/>
+          <a:chExt cx="0" cy="0"/>
+        </a:xfrm>
+      </p:grpSpPr>
+      <p:sp>
+        <p:nvSpPr>
+          <p:cNvPr id="295" name="Google Shape;295;p35"/>
+          <p:cNvSpPr txBox="1"/>
+          <p:nvPr>
+            <p:ph type="title"/>
+          </p:nvPr>
+        </p:nvSpPr>
+        <p:spPr>
+          <a:xfrm>
+            <a:off x="311725" y="500925"/>
+            <a:ext cx="8520600" cy="623700"/>
+          </a:xfrm>
+          <a:prstGeom prst="rect">
+            <a:avLst/>
+          </a:prstGeom>
+        </p:spPr>
+        <p:txBody>
+          <a:bodyPr anchorCtr="0" anchor="t" bIns="91425" lIns="91425" spcFirstLastPara="1" rIns="91425" wrap="square" tIns="91425">
+            <a:noAutofit/>
+          </a:bodyPr>
+          <a:lstStyle/>
+          <a:p>
+            <a:pPr indent="0" lvl="0" marL="0" rtl="0" algn="l">
+              <a:spcBef>
+                <a:spcPts val="0"/>
+              </a:spcBef>
+              <a:spcAft>
+                <a:spcPts val="0"/>
+              </a:spcAft>
+              <a:buNone/>
+            </a:pPr>
+            <a:r>
+              <a:rPr lang="en"/>
+              <a:t>Screenshots</a:t>
+            </a:r>
+            <a:endParaRPr/>
+          </a:p>
+        </p:txBody>
+      </p:sp>
+      <p:pic>
+        <p:nvPicPr>
+          <p:cNvPr id="296" name="Google Shape;296;p35"/>
+          <p:cNvPicPr preferRelativeResize="0"/>
+          <p:nvPr/>
+        </p:nvPicPr>
+        <p:blipFill>
+          <a:blip r:embed="rId3">
+            <a:alphaModFix/>
+          </a:blip>
+          <a:stretch>
+            <a:fillRect/>
+          </a:stretch>
+        </p:blipFill>
+        <p:spPr>
+          <a:xfrm>
+            <a:off x="1463431" y="2214553"/>
+            <a:ext cx="6473140" cy="1853102"/>
+          </a:xfrm>
+          <a:prstGeom prst="rect">
+            <a:avLst/>
+          </a:prstGeom>
+          <a:noFill/>
+          <a:ln>
+            <a:noFill/>
+          </a:ln>
+        </p:spPr>
+      </p:pic>
+      <p:pic>
+        <p:nvPicPr>
+          <p:cNvPr id="297" name="Google Shape;297;p35"/>
+          <p:cNvPicPr preferRelativeResize="0"/>
+          <p:nvPr/>
+        </p:nvPicPr>
+        <p:blipFill>
+          <a:blip r:embed="rId4">
+            <a:alphaModFix/>
+          </a:blip>
+          <a:stretch>
+            <a:fillRect/>
+          </a:stretch>
+        </p:blipFill>
+        <p:spPr>
+          <a:xfrm>
+            <a:off x="1351825" y="1280275"/>
+            <a:ext cx="6696351" cy="3764874"/>
+          </a:xfrm>
+          <a:prstGeom prst="rect">
+            <a:avLst/>
+          </a:prstGeom>
+          <a:noFill/>
+          <a:ln>
+            <a:noFill/>
+          </a:ln>
+        </p:spPr>
+      </p:pic>
+    </p:spTree>
+  </p:cSld>
+  <p:clrMapOvr>
+    <a:masterClrMapping/>
+  </p:clrMapOvr>
+</p:sld>
+</file>
+
 <file path=ppt/slides/slide3.xml><?xml version="1.0" encoding="utf-8"?>
 <p:sld xmlns:a="http://schemas.openxmlformats.org/drawingml/2006/main" xmlns:r="http://schemas.openxmlformats.org/officeDocument/2006/relationships" xmlns:mc="http://schemas.openxmlformats.org/markup-compatibility/2006" xmlns:mv="urn:schemas-microsoft-com:mac:vml" xmlns:p="http://schemas.openxmlformats.org/presentationml/2006/main" xmlns:c="http://schemas.openxmlformats.org/drawingml/2006/chart" xmlns:dgm="http://schemas.openxmlformats.org/drawingml/2006/diagram" xmlns:o="urn:schemas-microsoft-com:office:office" xmlns:v="urn:schemas-microsoft-com:vml" xmlns:pvml="urn:schemas-microsoft-com:office:powerpoint" xmlns:com="http://schemas.openxmlformats.org/drawingml/2006/compatibility" xmlns:p14="http://schemas.microsoft.com/office/powerpoint/2010/main" xmlns:p15="http://schemas.microsoft.com/office/powerpoint/2012/main">
   <p:cSld>
@@ -14587,6 +15303,108 @@
   <p:clrMapOvr>
     <a:masterClrMapping/>
   </p:clrMapOvr>
+  <p:timing>
+    <p:tnLst>
+      <p:par>
+        <p:cTn dur="indefinite" nodeType="tmRoot" restart="never">
+          <p:childTnLst>
+            <p:seq concurrent="1" nextAc="seek">
+              <p:cTn dur="indefinite" id="2" nodeType="mainSeq">
+                <p:childTnLst>
+                  <p:par>
+                    <p:cTn fill="hold">
+                      <p:stCondLst>
+                        <p:cond delay="indefinite"/>
+                      </p:stCondLst>
+                      <p:childTnLst>
+                        <p:par>
+                          <p:cTn fill="hold">
+                            <p:stCondLst>
+                              <p:cond delay="0"/>
+                            </p:stCondLst>
+                            <p:childTnLst>
+                              <p:par>
+                                <p:cTn fill="hold" nodeType="clickEffect" presetClass="entr" presetID="1" presetSubtype="0">
+                                  <p:stCondLst>
+                                    <p:cond delay="0"/>
+                                  </p:stCondLst>
+                                  <p:childTnLst>
+                                    <p:set>
+                                      <p:cBhvr>
+                                        <p:cTn dur="1" fill="hold">
+                                          <p:stCondLst>
+                                            <p:cond delay="0"/>
+                                          </p:stCondLst>
+                                        </p:cTn>
+                                        <p:tgtEl>
+                                          <p:spTgt spid="94"/>
+                                        </p:tgtEl>
+                                        <p:attrNameLst>
+                                          <p:attrName>style.visibility</p:attrName>
+                                        </p:attrNameLst>
+                                      </p:cBhvr>
+                                      <p:to>
+                                        <p:strVal val="visible"/>
+                                      </p:to>
+                                    </p:set>
+                                  </p:childTnLst>
+                                </p:cTn>
+                              </p:par>
+                              <p:par>
+                                <p:cTn fill="hold" nodeType="withEffect" presetClass="entr" presetID="1" presetSubtype="0">
+                                  <p:stCondLst>
+                                    <p:cond delay="0"/>
+                                  </p:stCondLst>
+                                  <p:childTnLst>
+                                    <p:set>
+                                      <p:cBhvr>
+                                        <p:cTn dur="1" fill="hold">
+                                          <p:stCondLst>
+                                            <p:cond delay="0"/>
+                                          </p:stCondLst>
+                                        </p:cTn>
+                                        <p:tgtEl>
+                                          <p:spTgt spid="95"/>
+                                        </p:tgtEl>
+                                        <p:attrNameLst>
+                                          <p:attrName>style.visibility</p:attrName>
+                                        </p:attrNameLst>
+                                      </p:cBhvr>
+                                      <p:to>
+                                        <p:strVal val="visible"/>
+                                      </p:to>
+                                    </p:set>
+                                  </p:childTnLst>
+                                </p:cTn>
+                              </p:par>
+                            </p:childTnLst>
+                          </p:cTn>
+                        </p:par>
+                      </p:childTnLst>
+                    </p:cTn>
+                  </p:par>
+                </p:childTnLst>
+              </p:cTn>
+              <p:prevCondLst>
+                <p:cond evt="onPrev">
+                  <p:tgtEl>
+                    <p:sldTgt/>
+                  </p:tgtEl>
+                </p:cond>
+              </p:prevCondLst>
+              <p:nextCondLst>
+                <p:cond evt="onNext">
+                  <p:tgtEl>
+                    <p:sldTgt/>
+                  </p:tgtEl>
+                </p:cond>
+              </p:nextCondLst>
+            </p:seq>
+          </p:childTnLst>
+        </p:cTn>
+      </p:par>
+    </p:tnLst>
+  </p:timing>
 </p:sld>
 </file>
 
@@ -16646,13 +17464,212 @@
         </p:nvSpPr>
         <p:spPr>
           <a:xfrm>
-            <a:off x="4593200" y="2570575"/>
-            <a:ext cx="1383000" cy="1086000"/>
-          </a:xfrm>
-          <a:prstGeom prst="downArrow">
+            <a:off x="3058625" y="2033750"/>
+            <a:ext cx="1513500" cy="349500"/>
+          </a:xfrm>
+          <a:prstGeom prst="rect">
+            <a:avLst/>
+          </a:prstGeom>
+          <a:solidFill>
+            <a:srgbClr val="B4A7D6"/>
+          </a:solidFill>
+          <a:ln cap="flat" cmpd="sng" w="9525">
+            <a:solidFill>
+              <a:schemeClr val="dk2"/>
+            </a:solidFill>
+            <a:prstDash val="solid"/>
+            <a:round/>
+            <a:headEnd len="sm" w="sm" type="none"/>
+            <a:tailEnd len="sm" w="sm" type="none"/>
+          </a:ln>
+        </p:spPr>
+        <p:txBody>
+          <a:bodyPr anchorCtr="0" anchor="ctr" bIns="91425" lIns="91425" spcFirstLastPara="1" rIns="91425" wrap="square" tIns="91425">
+            <a:noAutofit/>
+          </a:bodyPr>
+          <a:lstStyle/>
+          <a:p>
+            <a:pPr indent="0" lvl="0" marL="0" rtl="0" algn="l">
+              <a:spcBef>
+                <a:spcPts val="0"/>
+              </a:spcBef>
+              <a:spcAft>
+                <a:spcPts val="0"/>
+              </a:spcAft>
+              <a:buNone/>
+            </a:pPr>
+            <a:r>
+              <a:rPr lang="en"/>
+              <a:t>Fraction 1 </a:t>
+            </a:r>
+            <a:endParaRPr/>
+          </a:p>
+        </p:txBody>
+      </p:sp>
+      <p:sp>
+        <p:nvSpPr>
+          <p:cNvPr id="145" name="Google Shape;145;p19"/>
+          <p:cNvSpPr/>
+          <p:nvPr/>
+        </p:nvSpPr>
+        <p:spPr>
+          <a:xfrm>
+            <a:off x="6379425" y="2033750"/>
+            <a:ext cx="1835100" cy="349500"/>
+          </a:xfrm>
+          <a:prstGeom prst="rect">
+            <a:avLst/>
+          </a:prstGeom>
+          <a:solidFill>
+            <a:srgbClr val="B4A7D6"/>
+          </a:solidFill>
+          <a:ln cap="flat" cmpd="sng" w="9525">
+            <a:solidFill>
+              <a:schemeClr val="dk2"/>
+            </a:solidFill>
+            <a:prstDash val="solid"/>
+            <a:round/>
+            <a:headEnd len="sm" w="sm" type="none"/>
+            <a:tailEnd len="sm" w="sm" type="none"/>
+          </a:ln>
+        </p:spPr>
+        <p:txBody>
+          <a:bodyPr anchorCtr="0" anchor="ctr" bIns="91425" lIns="91425" spcFirstLastPara="1" rIns="91425" wrap="square" tIns="91425">
+            <a:noAutofit/>
+          </a:bodyPr>
+          <a:lstStyle/>
+          <a:p>
+            <a:pPr indent="0" lvl="0" marL="0" rtl="0" algn="l">
+              <a:spcBef>
+                <a:spcPts val="0"/>
+              </a:spcBef>
+              <a:spcAft>
+                <a:spcPts val="0"/>
+              </a:spcAft>
+              <a:buNone/>
+            </a:pPr>
+            <a:r>
+              <a:rPr lang="en"/>
+              <a:t>Fraction 2</a:t>
+            </a:r>
+            <a:endParaRPr/>
+          </a:p>
+        </p:txBody>
+      </p:sp>
+      <p:sp>
+        <p:nvSpPr>
+          <p:cNvPr id="146" name="Google Shape;146;p19"/>
+          <p:cNvSpPr/>
+          <p:nvPr/>
+        </p:nvSpPr>
+        <p:spPr>
+          <a:xfrm>
+            <a:off x="5954975" y="2033750"/>
+            <a:ext cx="324600" cy="349500"/>
+          </a:xfrm>
+          <a:prstGeom prst="rect">
+            <a:avLst/>
+          </a:prstGeom>
+          <a:solidFill>
+            <a:srgbClr val="FFFF00"/>
+          </a:solidFill>
+          <a:ln cap="flat" cmpd="sng" w="9525">
+            <a:solidFill>
+              <a:schemeClr val="dk2"/>
+            </a:solidFill>
+            <a:prstDash val="solid"/>
+            <a:round/>
+            <a:headEnd len="sm" w="sm" type="none"/>
+            <a:tailEnd len="sm" w="sm" type="none"/>
+          </a:ln>
+        </p:spPr>
+        <p:txBody>
+          <a:bodyPr anchorCtr="0" anchor="ctr" bIns="91425" lIns="91425" spcFirstLastPara="1" rIns="91425" wrap="square" tIns="91425">
+            <a:noAutofit/>
+          </a:bodyPr>
+          <a:lstStyle/>
+          <a:p>
+            <a:pPr indent="0" lvl="0" marL="0" rtl="0" algn="l">
+              <a:spcBef>
+                <a:spcPts val="0"/>
+              </a:spcBef>
+              <a:spcAft>
+                <a:spcPts val="0"/>
+              </a:spcAft>
+              <a:buNone/>
+            </a:pPr>
+            <a:r>
+              <a:rPr lang="en"/>
+              <a:t>1</a:t>
+            </a:r>
+            <a:endParaRPr/>
+          </a:p>
+        </p:txBody>
+      </p:sp>
+      <p:sp>
+        <p:nvSpPr>
+          <p:cNvPr id="147" name="Google Shape;147;p19"/>
+          <p:cNvSpPr/>
+          <p:nvPr/>
+        </p:nvSpPr>
+        <p:spPr>
+          <a:xfrm>
+            <a:off x="2486950" y="2033750"/>
+            <a:ext cx="324600" cy="349500"/>
+          </a:xfrm>
+          <a:prstGeom prst="rect">
+            <a:avLst/>
+          </a:prstGeom>
+          <a:solidFill>
+            <a:srgbClr val="FFFF00"/>
+          </a:solidFill>
+          <a:ln cap="flat" cmpd="sng" w="9525">
+            <a:solidFill>
+              <a:schemeClr val="dk2"/>
+            </a:solidFill>
+            <a:prstDash val="solid"/>
+            <a:round/>
+            <a:headEnd len="sm" w="sm" type="none"/>
+            <a:tailEnd len="sm" w="sm" type="none"/>
+          </a:ln>
+        </p:spPr>
+        <p:txBody>
+          <a:bodyPr anchorCtr="0" anchor="ctr" bIns="91425" lIns="91425" spcFirstLastPara="1" rIns="91425" wrap="square" tIns="91425">
+            <a:noAutofit/>
+          </a:bodyPr>
+          <a:lstStyle/>
+          <a:p>
+            <a:pPr indent="0" lvl="0" marL="0" rtl="0" algn="l">
+              <a:spcBef>
+                <a:spcPts val="0"/>
+              </a:spcBef>
+              <a:spcAft>
+                <a:spcPts val="0"/>
+              </a:spcAft>
+              <a:buNone/>
+            </a:pPr>
+            <a:r>
+              <a:rPr lang="en"/>
+              <a:t>1</a:t>
+            </a:r>
+            <a:endParaRPr/>
+          </a:p>
+        </p:txBody>
+      </p:sp>
+      <p:sp>
+        <p:nvSpPr>
+          <p:cNvPr id="148" name="Google Shape;148;p19"/>
+          <p:cNvSpPr/>
+          <p:nvPr/>
+        </p:nvSpPr>
+        <p:spPr>
+          <a:xfrm>
+            <a:off x="5056100" y="2058725"/>
+            <a:ext cx="457200" cy="349500"/>
+          </a:xfrm>
+          <a:prstGeom prst="mathMultiply">
             <a:avLst>
-              <a:gd fmla="val 50000" name="adj1"/>
-              <a:gd fmla="val 50000" name="adj2"/>
+              <a:gd fmla="val 23520" name="adj1"/>
             </a:avLst>
           </a:prstGeom>
           <a:solidFill>
@@ -16692,216 +17709,16 @@
       </p:sp>
       <p:sp>
         <p:nvSpPr>
-          <p:cNvPr id="145" name="Google Shape;145;p19"/>
-          <p:cNvSpPr/>
-          <p:nvPr/>
-        </p:nvSpPr>
-        <p:spPr>
-          <a:xfrm>
-            <a:off x="3058625" y="2033750"/>
-            <a:ext cx="1513500" cy="349500"/>
-          </a:xfrm>
-          <a:prstGeom prst="rect">
-            <a:avLst/>
-          </a:prstGeom>
-          <a:solidFill>
-            <a:srgbClr val="B4A7D6"/>
-          </a:solidFill>
-          <a:ln cap="flat" cmpd="sng" w="9525">
-            <a:solidFill>
-              <a:schemeClr val="dk2"/>
-            </a:solidFill>
-            <a:prstDash val="solid"/>
-            <a:round/>
-            <a:headEnd len="sm" w="sm" type="none"/>
-            <a:tailEnd len="sm" w="sm" type="none"/>
-          </a:ln>
-        </p:spPr>
-        <p:txBody>
-          <a:bodyPr anchorCtr="0" anchor="ctr" bIns="91425" lIns="91425" spcFirstLastPara="1" rIns="91425" wrap="square" tIns="91425">
-            <a:noAutofit/>
-          </a:bodyPr>
-          <a:lstStyle/>
-          <a:p>
-            <a:pPr indent="0" lvl="0" marL="0" rtl="0" algn="l">
-              <a:spcBef>
-                <a:spcPts val="0"/>
-              </a:spcBef>
-              <a:spcAft>
-                <a:spcPts val="0"/>
-              </a:spcAft>
-              <a:buNone/>
-            </a:pPr>
-            <a:r>
-              <a:rPr lang="en"/>
-              <a:t>Fraction 1 </a:t>
-            </a:r>
-            <a:endParaRPr/>
-          </a:p>
-        </p:txBody>
-      </p:sp>
-      <p:sp>
-        <p:nvSpPr>
-          <p:cNvPr id="146" name="Google Shape;146;p19"/>
-          <p:cNvSpPr/>
-          <p:nvPr/>
-        </p:nvSpPr>
-        <p:spPr>
-          <a:xfrm>
-            <a:off x="6379425" y="2033750"/>
-            <a:ext cx="1835100" cy="349500"/>
-          </a:xfrm>
-          <a:prstGeom prst="rect">
-            <a:avLst/>
-          </a:prstGeom>
-          <a:solidFill>
-            <a:srgbClr val="B4A7D6"/>
-          </a:solidFill>
-          <a:ln cap="flat" cmpd="sng" w="9525">
-            <a:solidFill>
-              <a:schemeClr val="dk2"/>
-            </a:solidFill>
-            <a:prstDash val="solid"/>
-            <a:round/>
-            <a:headEnd len="sm" w="sm" type="none"/>
-            <a:tailEnd len="sm" w="sm" type="none"/>
-          </a:ln>
-        </p:spPr>
-        <p:txBody>
-          <a:bodyPr anchorCtr="0" anchor="ctr" bIns="91425" lIns="91425" spcFirstLastPara="1" rIns="91425" wrap="square" tIns="91425">
-            <a:noAutofit/>
-          </a:bodyPr>
-          <a:lstStyle/>
-          <a:p>
-            <a:pPr indent="0" lvl="0" marL="0" rtl="0" algn="l">
-              <a:spcBef>
-                <a:spcPts val="0"/>
-              </a:spcBef>
-              <a:spcAft>
-                <a:spcPts val="0"/>
-              </a:spcAft>
-              <a:buNone/>
-            </a:pPr>
-            <a:r>
-              <a:rPr lang="en"/>
-              <a:t>Fraction 2</a:t>
-            </a:r>
-            <a:endParaRPr/>
-          </a:p>
-        </p:txBody>
-      </p:sp>
-      <p:sp>
-        <p:nvSpPr>
-          <p:cNvPr id="147" name="Google Shape;147;p19"/>
-          <p:cNvSpPr/>
-          <p:nvPr/>
-        </p:nvSpPr>
-        <p:spPr>
-          <a:xfrm>
-            <a:off x="5954975" y="2033750"/>
-            <a:ext cx="324600" cy="349500"/>
-          </a:xfrm>
-          <a:prstGeom prst="rect">
-            <a:avLst/>
-          </a:prstGeom>
-          <a:solidFill>
-            <a:srgbClr val="FFFF00"/>
-          </a:solidFill>
-          <a:ln cap="flat" cmpd="sng" w="9525">
-            <a:solidFill>
-              <a:schemeClr val="dk2"/>
-            </a:solidFill>
-            <a:prstDash val="solid"/>
-            <a:round/>
-            <a:headEnd len="sm" w="sm" type="none"/>
-            <a:tailEnd len="sm" w="sm" type="none"/>
-          </a:ln>
-        </p:spPr>
-        <p:txBody>
-          <a:bodyPr anchorCtr="0" anchor="ctr" bIns="91425" lIns="91425" spcFirstLastPara="1" rIns="91425" wrap="square" tIns="91425">
-            <a:noAutofit/>
-          </a:bodyPr>
-          <a:lstStyle/>
-          <a:p>
-            <a:pPr indent="0" lvl="0" marL="0" rtl="0" algn="l">
-              <a:spcBef>
-                <a:spcPts val="0"/>
-              </a:spcBef>
-              <a:spcAft>
-                <a:spcPts val="0"/>
-              </a:spcAft>
-              <a:buNone/>
-            </a:pPr>
-            <a:r>
-              <a:rPr lang="en"/>
-              <a:t>1</a:t>
-            </a:r>
-            <a:endParaRPr/>
-          </a:p>
-        </p:txBody>
-      </p:sp>
-      <p:sp>
-        <p:nvSpPr>
-          <p:cNvPr id="148" name="Google Shape;148;p19"/>
-          <p:cNvSpPr/>
-          <p:nvPr/>
-        </p:nvSpPr>
-        <p:spPr>
-          <a:xfrm>
-            <a:off x="2486950" y="2033750"/>
-            <a:ext cx="324600" cy="349500"/>
-          </a:xfrm>
-          <a:prstGeom prst="rect">
-            <a:avLst/>
-          </a:prstGeom>
-          <a:solidFill>
-            <a:srgbClr val="FFFF00"/>
-          </a:solidFill>
-          <a:ln cap="flat" cmpd="sng" w="9525">
-            <a:solidFill>
-              <a:schemeClr val="dk2"/>
-            </a:solidFill>
-            <a:prstDash val="solid"/>
-            <a:round/>
-            <a:headEnd len="sm" w="sm" type="none"/>
-            <a:tailEnd len="sm" w="sm" type="none"/>
-          </a:ln>
-        </p:spPr>
-        <p:txBody>
-          <a:bodyPr anchorCtr="0" anchor="ctr" bIns="91425" lIns="91425" spcFirstLastPara="1" rIns="91425" wrap="square" tIns="91425">
-            <a:noAutofit/>
-          </a:bodyPr>
-          <a:lstStyle/>
-          <a:p>
-            <a:pPr indent="0" lvl="0" marL="0" rtl="0" algn="l">
-              <a:spcBef>
-                <a:spcPts val="0"/>
-              </a:spcBef>
-              <a:spcAft>
-                <a:spcPts val="0"/>
-              </a:spcAft>
-              <a:buNone/>
-            </a:pPr>
-            <a:r>
-              <a:rPr lang="en"/>
-              <a:t>1</a:t>
-            </a:r>
-            <a:endParaRPr/>
-          </a:p>
-        </p:txBody>
-      </p:sp>
-      <p:sp>
-        <p:nvSpPr>
           <p:cNvPr id="149" name="Google Shape;149;p19"/>
           <p:cNvSpPr/>
           <p:nvPr/>
         </p:nvSpPr>
         <p:spPr>
-          <a:xfrm>
-            <a:off x="5056100" y="2058725"/>
-            <a:ext cx="457200" cy="349500"/>
-          </a:xfrm>
-          <a:prstGeom prst="mathMultiply">
+          <a:xfrm rot="-2700000">
+            <a:off x="1536904" y="3261727"/>
+            <a:ext cx="481115" cy="424688"/>
+          </a:xfrm>
+          <a:prstGeom prst="mathMinus">
             <a:avLst>
               <a:gd fmla="val 23520" name="adj1"/>
             </a:avLst>
@@ -16946,6 +17763,162 @@
   <p:clrMapOvr>
     <a:masterClrMapping/>
   </p:clrMapOvr>
+  <p:timing>
+    <p:tnLst>
+      <p:par>
+        <p:cTn dur="indefinite" nodeType="tmRoot" restart="never">
+          <p:childTnLst>
+            <p:seq concurrent="1" nextAc="seek">
+              <p:cTn dur="indefinite" id="2" nodeType="mainSeq">
+                <p:childTnLst>
+                  <p:par>
+                    <p:cTn fill="hold">
+                      <p:stCondLst>
+                        <p:cond delay="indefinite"/>
+                      </p:stCondLst>
+                      <p:childTnLst>
+                        <p:par>
+                          <p:cTn fill="hold">
+                            <p:stCondLst>
+                              <p:cond delay="0"/>
+                            </p:stCondLst>
+                            <p:childTnLst>
+                              <p:par>
+                                <p:cTn fill="hold" nodeType="clickEffect" presetClass="entr" presetID="1" presetSubtype="0">
+                                  <p:stCondLst>
+                                    <p:cond delay="0"/>
+                                  </p:stCondLst>
+                                  <p:childTnLst>
+                                    <p:set>
+                                      <p:cBhvr>
+                                        <p:cTn dur="1" fill="hold">
+                                          <p:stCondLst>
+                                            <p:cond delay="0"/>
+                                          </p:stCondLst>
+                                        </p:cTn>
+                                        <p:tgtEl>
+                                          <p:spTgt spid="140"/>
+                                        </p:tgtEl>
+                                        <p:attrNameLst>
+                                          <p:attrName>style.visibility</p:attrName>
+                                        </p:attrNameLst>
+                                      </p:cBhvr>
+                                      <p:to>
+                                        <p:strVal val="visible"/>
+                                      </p:to>
+                                    </p:set>
+                                  </p:childTnLst>
+                                </p:cTn>
+                              </p:par>
+                              <p:par>
+                                <p:cTn fill="hold" nodeType="withEffect" presetClass="entr" presetID="1" presetSubtype="0">
+                                  <p:stCondLst>
+                                    <p:cond delay="0"/>
+                                  </p:stCondLst>
+                                  <p:childTnLst>
+                                    <p:set>
+                                      <p:cBhvr>
+                                        <p:cTn dur="1" fill="hold">
+                                          <p:stCondLst>
+                                            <p:cond delay="0"/>
+                                          </p:stCondLst>
+                                        </p:cTn>
+                                        <p:tgtEl>
+                                          <p:spTgt spid="141"/>
+                                        </p:tgtEl>
+                                        <p:attrNameLst>
+                                          <p:attrName>style.visibility</p:attrName>
+                                        </p:attrNameLst>
+                                      </p:cBhvr>
+                                      <p:to>
+                                        <p:strVal val="visible"/>
+                                      </p:to>
+                                    </p:set>
+                                  </p:childTnLst>
+                                </p:cTn>
+                              </p:par>
+                              <p:par>
+                                <p:cTn fill="hold" nodeType="withEffect" presetClass="entr" presetID="1" presetSubtype="0">
+                                  <p:stCondLst>
+                                    <p:cond delay="0"/>
+                                  </p:stCondLst>
+                                  <p:childTnLst>
+                                    <p:set>
+                                      <p:cBhvr>
+                                        <p:cTn dur="1" fill="hold">
+                                          <p:stCondLst>
+                                            <p:cond delay="0"/>
+                                          </p:stCondLst>
+                                        </p:cTn>
+                                        <p:tgtEl>
+                                          <p:spTgt spid="142"/>
+                                        </p:tgtEl>
+                                        <p:attrNameLst>
+                                          <p:attrName>style.visibility</p:attrName>
+                                        </p:attrNameLst>
+                                      </p:cBhvr>
+                                      <p:to>
+                                        <p:strVal val="visible"/>
+                                      </p:to>
+                                    </p:set>
+                                  </p:childTnLst>
+                                </p:cTn>
+                              </p:par>
+                              <p:par>
+                                <p:cTn fill="hold" nodeType="withEffect" presetClass="entr" presetID="1" presetSubtype="0">
+                                  <p:stCondLst>
+                                    <p:cond delay="0"/>
+                                  </p:stCondLst>
+                                  <p:childTnLst>
+                                    <p:set>
+                                      <p:cBhvr>
+                                        <p:cTn dur="1" fill="hold">
+                                          <p:stCondLst>
+                                            <p:cond delay="0"/>
+                                          </p:stCondLst>
+                                        </p:cTn>
+                                        <p:tgtEl>
+                                          <p:spTgt spid="143"/>
+                                        </p:tgtEl>
+                                        <p:attrNameLst>
+                                          <p:attrName>style.visibility</p:attrName>
+                                        </p:attrNameLst>
+                                      </p:cBhvr>
+                                      <p:to>
+                                        <p:strVal val="visible"/>
+                                      </p:to>
+                                    </p:set>
+                                  </p:childTnLst>
+                                </p:cTn>
+                              </p:par>
+                            </p:childTnLst>
+                          </p:cTn>
+                        </p:par>
+                      </p:childTnLst>
+                    </p:cTn>
+                  </p:par>
+                </p:childTnLst>
+              </p:cTn>
+              <p:prevCondLst>
+                <p:cond evt="onPrev">
+                  <p:tgtEl>
+                    <p:sldTgt/>
+                  </p:tgtEl>
+                </p:cond>
+              </p:prevCondLst>
+              <p:nextCondLst>
+                <p:cond evt="onNext">
+                  <p:tgtEl>
+                    <p:sldTgt/>
+                  </p:tgtEl>
+                </p:cond>
+              </p:nextCondLst>
+            </p:seq>
+          </p:childTnLst>
+        </p:cTn>
+      </p:par>
+    </p:tnLst>
+  </p:timing>
 </p:sld>
 </file>
 
@@ -17000,37 +17973,7 @@
             </a:pPr>
             <a:r>
               <a:rPr lang="en"/>
-              <a:t>Special cases</a:t>
-            </a:r>
-            <a:endParaRPr/>
-          </a:p>
-          <a:p>
-            <a:pPr indent="0" lvl="0" marL="0" rtl="0" algn="l">
-              <a:spcBef>
-                <a:spcPts val="0"/>
-              </a:spcBef>
-              <a:spcAft>
-                <a:spcPts val="0"/>
-              </a:spcAft>
-              <a:buNone/>
-            </a:pPr>
-            <a:r>
-              <a:t/>
-            </a:r>
-            <a:endParaRPr/>
-          </a:p>
-          <a:p>
-            <a:pPr indent="0" lvl="0" marL="0" rtl="0" algn="l">
-              <a:spcBef>
-                <a:spcPts val="0"/>
-              </a:spcBef>
-              <a:spcAft>
-                <a:spcPts val="0"/>
-              </a:spcAft>
-              <a:buNone/>
-            </a:pPr>
-            <a:r>
-              <a:t/>
+              <a:t>algorithm</a:t>
             </a:r>
             <a:endParaRPr/>
           </a:p>
@@ -18082,6 +19025,285 @@
 </file>
 
 <file path=ppt/theme/theme1.xml><?xml version="1.0" encoding="utf-8"?>
+<a:theme xmlns:a="http://schemas.openxmlformats.org/drawingml/2006/main" xmlns:r="http://schemas.openxmlformats.org/officeDocument/2006/relationships" name="Paradigm">
+  <a:themeElements>
+    <a:clrScheme name="Paradigm">
+      <a:dk1>
+        <a:srgbClr val="31394D"/>
+      </a:dk1>
+      <a:lt1>
+        <a:srgbClr val="FFFFFF"/>
+      </a:lt1>
+      <a:dk2>
+        <a:srgbClr val="666666"/>
+      </a:dk2>
+      <a:lt2>
+        <a:srgbClr val="626B73"/>
+      </a:lt2>
+      <a:accent1>
+        <a:srgbClr val="002F4A"/>
+      </a:accent1>
+      <a:accent2>
+        <a:srgbClr val="D9C4B1"/>
+      </a:accent2>
+      <a:accent3>
+        <a:srgbClr val="EDE3DA"/>
+      </a:accent3>
+      <a:accent4>
+        <a:srgbClr val="B85741"/>
+      </a:accent4>
+      <a:accent5>
+        <a:srgbClr val="009384"/>
+      </a:accent5>
+      <a:accent6>
+        <a:srgbClr val="D0F6FF"/>
+      </a:accent6>
+      <a:hlink>
+        <a:srgbClr val="009384"/>
+      </a:hlink>
+      <a:folHlink>
+        <a:srgbClr val="009384"/>
+      </a:folHlink>
+    </a:clrScheme>
+    <a:fontScheme name="Office">
+      <a:majorFont>
+        <a:latin typeface="Arial"/>
+        <a:ea typeface=""/>
+        <a:cs typeface=""/>
+        <a:font script="Jpan" typeface="ＭＳ Ｐゴシック"/>
+        <a:font script="Hang" typeface="맑은 고딕"/>
+        <a:font script="Hans" typeface="宋体"/>
+        <a:font script="Hant" typeface="新細明體"/>
+        <a:font script="Arab" typeface="Times New Roman"/>
+        <a:font script="Hebr" typeface="Times New Roman"/>
+        <a:font script="Thai" typeface="Angsana New"/>
+        <a:font script="Ethi" typeface="Nyala"/>
+        <a:font script="Beng" typeface="Vrinda"/>
+        <a:font script="Gujr" typeface="Shruti"/>
+        <a:font script="Khmr" typeface="MoolBoran"/>
+        <a:font script="Knda" typeface="Tunga"/>
+        <a:font script="Guru" typeface="Raavi"/>
+        <a:font script="Cans" typeface="Euphemia"/>
+        <a:font script="Cher" typeface="Plantagenet Cherokee"/>
+        <a:font script="Yiii" typeface="Microsoft Yi Baiti"/>
+        <a:font script="Tibt" typeface="Microsoft Himalaya"/>
+        <a:font script="Thaa" typeface="MV Boli"/>
+        <a:font script="Deva" typeface="Mangal"/>
+        <a:font script="Telu" typeface="Gautami"/>
+        <a:font script="Taml" typeface="Latha"/>
+        <a:font script="Syrc" typeface="Estrangelo Edessa"/>
+        <a:font script="Orya" typeface="Kalinga"/>
+        <a:font script="Mlym" typeface="Kartika"/>
+        <a:font script="Laoo" typeface="DokChampa"/>
+        <a:font script="Sinh" typeface="Iskoola Pota"/>
+        <a:font script="Mong" typeface="Mongolian Baiti"/>
+        <a:font script="Viet" typeface="Times New Roman"/>
+        <a:font script="Uigh" typeface="Microsoft Uighur"/>
+        <a:font script="Geor" typeface="Sylfaen"/>
+      </a:majorFont>
+      <a:minorFont>
+        <a:latin typeface="Arial"/>
+        <a:ea typeface=""/>
+        <a:cs typeface=""/>
+        <a:font script="Jpan" typeface="ＭＳ Ｐゴシック"/>
+        <a:font script="Hang" typeface="맑은 고딕"/>
+        <a:font script="Hans" typeface="宋体"/>
+        <a:font script="Hant" typeface="新細明體"/>
+        <a:font script="Arab" typeface="Arial"/>
+        <a:font script="Hebr" typeface="Arial"/>
+        <a:font script="Thai" typeface="Cordia New"/>
+        <a:font script="Ethi" typeface="Nyala"/>
+        <a:font script="Beng" typeface="Vrinda"/>
+        <a:font script="Gujr" typeface="Shruti"/>
+        <a:font script="Khmr" typeface="DaunPenh"/>
+        <a:font script="Knda" typeface="Tunga"/>
+        <a:font script="Guru" typeface="Raavi"/>
+        <a:font script="Cans" typeface="Euphemia"/>
+        <a:font script="Cher" typeface="Plantagenet Cherokee"/>
+        <a:font script="Yiii" typeface="Microsoft Yi Baiti"/>
+        <a:font script="Tibt" typeface="Microsoft Himalaya"/>
+        <a:font script="Thaa" typeface="MV Boli"/>
+        <a:font script="Deva" typeface="Mangal"/>
+        <a:font script="Telu" typeface="Gautami"/>
+        <a:font script="Taml" typeface="Latha"/>
+        <a:font script="Syrc" typeface="Estrangelo Edessa"/>
+        <a:font script="Orya" typeface="Kalinga"/>
+        <a:font script="Mlym" typeface="Kartika"/>
+        <a:font script="Laoo" typeface="DokChampa"/>
+        <a:font script="Sinh" typeface="Iskoola Pota"/>
+        <a:font script="Mong" typeface="Mongolian Baiti"/>
+        <a:font script="Viet" typeface="Arial"/>
+        <a:font script="Uigh" typeface="Microsoft Uighur"/>
+        <a:font script="Geor" typeface="Sylfaen"/>
+      </a:minorFont>
+    </a:fontScheme>
+    <a:fmtScheme name="Office">
+      <a:fillStyleLst>
+        <a:solidFill>
+          <a:schemeClr val="phClr"/>
+        </a:solidFill>
+        <a:gradFill rotWithShape="1">
+          <a:gsLst>
+            <a:gs pos="0">
+              <a:schemeClr val="phClr">
+                <a:tint val="50000"/>
+                <a:satMod val="300000"/>
+              </a:schemeClr>
+            </a:gs>
+            <a:gs pos="35000">
+              <a:schemeClr val="phClr">
+                <a:tint val="37000"/>
+                <a:satMod val="300000"/>
+              </a:schemeClr>
+            </a:gs>
+            <a:gs pos="100000">
+              <a:schemeClr val="phClr">
+                <a:tint val="15000"/>
+                <a:satMod val="350000"/>
+              </a:schemeClr>
+            </a:gs>
+          </a:gsLst>
+          <a:lin ang="16200000" scaled="1"/>
+        </a:gradFill>
+        <a:gradFill rotWithShape="1">
+          <a:gsLst>
+            <a:gs pos="0">
+              <a:schemeClr val="phClr">
+                <a:tint val="100000"/>
+                <a:shade val="100000"/>
+                <a:satMod val="130000"/>
+              </a:schemeClr>
+            </a:gs>
+            <a:gs pos="100000">
+              <a:schemeClr val="phClr">
+                <a:tint val="50000"/>
+                <a:shade val="100000"/>
+                <a:satMod val="350000"/>
+              </a:schemeClr>
+            </a:gs>
+          </a:gsLst>
+          <a:lin ang="16200000" scaled="0"/>
+        </a:gradFill>
+      </a:fillStyleLst>
+      <a:lnStyleLst>
+        <a:ln w="9525" cap="flat" cmpd="sng" algn="ctr">
+          <a:solidFill>
+            <a:schemeClr val="phClr">
+              <a:shade val="95000"/>
+              <a:satMod val="105000"/>
+            </a:schemeClr>
+          </a:solidFill>
+          <a:prstDash val="solid"/>
+        </a:ln>
+        <a:ln w="25400" cap="flat" cmpd="sng" algn="ctr">
+          <a:solidFill>
+            <a:schemeClr val="phClr"/>
+          </a:solidFill>
+          <a:prstDash val="solid"/>
+        </a:ln>
+        <a:ln w="38100" cap="flat" cmpd="sng" algn="ctr">
+          <a:solidFill>
+            <a:schemeClr val="phClr"/>
+          </a:solidFill>
+          <a:prstDash val="solid"/>
+        </a:ln>
+      </a:lnStyleLst>
+      <a:effectStyleLst>
+        <a:effectStyle>
+          <a:effectLst>
+            <a:outerShdw blurRad="40000" dist="20000" dir="5400000" rotWithShape="0">
+              <a:srgbClr val="000000">
+                <a:alpha val="38000"/>
+              </a:srgbClr>
+            </a:outerShdw>
+          </a:effectLst>
+        </a:effectStyle>
+        <a:effectStyle>
+          <a:effectLst>
+            <a:outerShdw blurRad="40000" dist="23000" dir="5400000" rotWithShape="0">
+              <a:srgbClr val="000000">
+                <a:alpha val="35000"/>
+              </a:srgbClr>
+            </a:outerShdw>
+          </a:effectLst>
+        </a:effectStyle>
+        <a:effectStyle>
+          <a:effectLst>
+            <a:outerShdw blurRad="40000" dist="23000" dir="5400000" rotWithShape="0">
+              <a:srgbClr val="000000">
+                <a:alpha val="35000"/>
+              </a:srgbClr>
+            </a:outerShdw>
+          </a:effectLst>
+          <a:scene3d>
+            <a:camera prst="orthographicFront">
+              <a:rot lat="0" lon="0" rev="0"/>
+            </a:camera>
+            <a:lightRig rig="threePt" dir="t">
+              <a:rot lat="0" lon="0" rev="1200000"/>
+            </a:lightRig>
+          </a:scene3d>
+          <a:sp3d>
+            <a:bevelT w="63500" h="25400"/>
+          </a:sp3d>
+        </a:effectStyle>
+      </a:effectStyleLst>
+      <a:bgFillStyleLst>
+        <a:solidFill>
+          <a:schemeClr val="phClr"/>
+        </a:solidFill>
+        <a:gradFill rotWithShape="1">
+          <a:gsLst>
+            <a:gs pos="0">
+              <a:schemeClr val="phClr">
+                <a:tint val="40000"/>
+                <a:satMod val="350000"/>
+              </a:schemeClr>
+            </a:gs>
+            <a:gs pos="40000">
+              <a:schemeClr val="phClr">
+                <a:tint val="45000"/>
+                <a:shade val="99000"/>
+                <a:satMod val="350000"/>
+              </a:schemeClr>
+            </a:gs>
+            <a:gs pos="100000">
+              <a:schemeClr val="phClr">
+                <a:shade val="20000"/>
+                <a:satMod val="255000"/>
+              </a:schemeClr>
+            </a:gs>
+          </a:gsLst>
+          <a:path path="circle">
+            <a:fillToRect l="50000" t="-80000" r="50000" b="180000"/>
+          </a:path>
+        </a:gradFill>
+        <a:gradFill rotWithShape="1">
+          <a:gsLst>
+            <a:gs pos="0">
+              <a:schemeClr val="phClr">
+                <a:tint val="80000"/>
+                <a:satMod val="300000"/>
+              </a:schemeClr>
+            </a:gs>
+            <a:gs pos="100000">
+              <a:schemeClr val="phClr">
+                <a:shade val="30000"/>
+                <a:satMod val="200000"/>
+              </a:schemeClr>
+            </a:gs>
+          </a:gsLst>
+          <a:path path="circle">
+            <a:fillToRect l="50000" t="50000" r="50000" b="50000"/>
+          </a:path>
+        </a:gradFill>
+      </a:bgFillStyleLst>
+    </a:fmtScheme>
+  </a:themeElements>
+</a:theme>
+</file>
+
+<file path=ppt/theme/theme2.xml><?xml version="1.0" encoding="utf-8"?>
 <a:theme xmlns:a="http://schemas.openxmlformats.org/drawingml/2006/main" xmlns:r="http://schemas.openxmlformats.org/officeDocument/2006/relationships">
   <a:themeElements>
     <a:clrScheme name="Default">
@@ -18358,283 +19580,4 @@
     </a:fmtScheme>
   </a:themeElements>
 </a:theme>
-</file>
-
-<file path=ppt/theme/theme2.xml><?xml version="1.0" encoding="utf-8"?>
-<a:theme xmlns:a="http://schemas.openxmlformats.org/drawingml/2006/main" xmlns:r="http://schemas.openxmlformats.org/officeDocument/2006/relationships" name="Paradigm">
-  <a:themeElements>
-    <a:clrScheme name="Paradigm">
-      <a:dk1>
-        <a:srgbClr val="31394D"/>
-      </a:dk1>
-      <a:lt1>
-        <a:srgbClr val="FFFFFF"/>
-      </a:lt1>
-      <a:dk2>
-        <a:srgbClr val="666666"/>
-      </a:dk2>
-      <a:lt2>
-        <a:srgbClr val="626B73"/>
-      </a:lt2>
-      <a:accent1>
-        <a:srgbClr val="002F4A"/>
-      </a:accent1>
-      <a:accent2>
-        <a:srgbClr val="D9C4B1"/>
-      </a:accent2>
-      <a:accent3>
-        <a:srgbClr val="EDE3DA"/>
-      </a:accent3>
-      <a:accent4>
-        <a:srgbClr val="B85741"/>
-      </a:accent4>
-      <a:accent5>
-        <a:srgbClr val="009384"/>
-      </a:accent5>
-      <a:accent6>
-        <a:srgbClr val="D0F6FF"/>
-      </a:accent6>
-      <a:hlink>
-        <a:srgbClr val="009384"/>
-      </a:hlink>
-      <a:folHlink>
-        <a:srgbClr val="009384"/>
-      </a:folHlink>
-    </a:clrScheme>
-    <a:fontScheme name="Office">
-      <a:majorFont>
-        <a:latin typeface="Arial"/>
-        <a:ea typeface=""/>
-        <a:cs typeface=""/>
-        <a:font script="Jpan" typeface="ＭＳ Ｐゴシック"/>
-        <a:font script="Hang" typeface="맑은 고딕"/>
-        <a:font script="Hans" typeface="宋体"/>
-        <a:font script="Hant" typeface="新細明體"/>
-        <a:font script="Arab" typeface="Times New Roman"/>
-        <a:font script="Hebr" typeface="Times New Roman"/>
-        <a:font script="Thai" typeface="Angsana New"/>
-        <a:font script="Ethi" typeface="Nyala"/>
-        <a:font script="Beng" typeface="Vrinda"/>
-        <a:font script="Gujr" typeface="Shruti"/>
-        <a:font script="Khmr" typeface="MoolBoran"/>
-        <a:font script="Knda" typeface="Tunga"/>
-        <a:font script="Guru" typeface="Raavi"/>
-        <a:font script="Cans" typeface="Euphemia"/>
-        <a:font script="Cher" typeface="Plantagenet Cherokee"/>
-        <a:font script="Yiii" typeface="Microsoft Yi Baiti"/>
-        <a:font script="Tibt" typeface="Microsoft Himalaya"/>
-        <a:font script="Thaa" typeface="MV Boli"/>
-        <a:font script="Deva" typeface="Mangal"/>
-        <a:font script="Telu" typeface="Gautami"/>
-        <a:font script="Taml" typeface="Latha"/>
-        <a:font script="Syrc" typeface="Estrangelo Edessa"/>
-        <a:font script="Orya" typeface="Kalinga"/>
-        <a:font script="Mlym" typeface="Kartika"/>
-        <a:font script="Laoo" typeface="DokChampa"/>
-        <a:font script="Sinh" typeface="Iskoola Pota"/>
-        <a:font script="Mong" typeface="Mongolian Baiti"/>
-        <a:font script="Viet" typeface="Times New Roman"/>
-        <a:font script="Uigh" typeface="Microsoft Uighur"/>
-        <a:font script="Geor" typeface="Sylfaen"/>
-      </a:majorFont>
-      <a:minorFont>
-        <a:latin typeface="Arial"/>
-        <a:ea typeface=""/>
-        <a:cs typeface=""/>
-        <a:font script="Jpan" typeface="ＭＳ Ｐゴシック"/>
-        <a:font script="Hang" typeface="맑은 고딕"/>
-        <a:font script="Hans" typeface="宋体"/>
-        <a:font script="Hant" typeface="新細明體"/>
-        <a:font script="Arab" typeface="Arial"/>
-        <a:font script="Hebr" typeface="Arial"/>
-        <a:font script="Thai" typeface="Cordia New"/>
-        <a:font script="Ethi" typeface="Nyala"/>
-        <a:font script="Beng" typeface="Vrinda"/>
-        <a:font script="Gujr" typeface="Shruti"/>
-        <a:font script="Khmr" typeface="DaunPenh"/>
-        <a:font script="Knda" typeface="Tunga"/>
-        <a:font script="Guru" typeface="Raavi"/>
-        <a:font script="Cans" typeface="Euphemia"/>
-        <a:font script="Cher" typeface="Plantagenet Cherokee"/>
-        <a:font script="Yiii" typeface="Microsoft Yi Baiti"/>
-        <a:font script="Tibt" typeface="Microsoft Himalaya"/>
-        <a:font script="Thaa" typeface="MV Boli"/>
-        <a:font script="Deva" typeface="Mangal"/>
-        <a:font script="Telu" typeface="Gautami"/>
-        <a:font script="Taml" typeface="Latha"/>
-        <a:font script="Syrc" typeface="Estrangelo Edessa"/>
-        <a:font script="Orya" typeface="Kalinga"/>
-        <a:font script="Mlym" typeface="Kartika"/>
-        <a:font script="Laoo" typeface="DokChampa"/>
-        <a:font script="Sinh" typeface="Iskoola Pota"/>
-        <a:font script="Mong" typeface="Mongolian Baiti"/>
-        <a:font script="Viet" typeface="Arial"/>
-        <a:font script="Uigh" typeface="Microsoft Uighur"/>
-        <a:font script="Geor" typeface="Sylfaen"/>
-      </a:minorFont>
-    </a:fontScheme>
-    <a:fmtScheme name="Office">
-      <a:fillStyleLst>
-        <a:solidFill>
-          <a:schemeClr val="phClr"/>
-        </a:solidFill>
-        <a:gradFill rotWithShape="1">
-          <a:gsLst>
-            <a:gs pos="0">
-              <a:schemeClr val="phClr">
-                <a:tint val="50000"/>
-                <a:satMod val="300000"/>
-              </a:schemeClr>
-            </a:gs>
-            <a:gs pos="35000">
-              <a:schemeClr val="phClr">
-                <a:tint val="37000"/>
-                <a:satMod val="300000"/>
-              </a:schemeClr>
-            </a:gs>
-            <a:gs pos="100000">
-              <a:schemeClr val="phClr">
-                <a:tint val="15000"/>
-                <a:satMod val="350000"/>
-              </a:schemeClr>
-            </a:gs>
-          </a:gsLst>
-          <a:lin ang="16200000" scaled="1"/>
-        </a:gradFill>
-        <a:gradFill rotWithShape="1">
-          <a:gsLst>
-            <a:gs pos="0">
-              <a:schemeClr val="phClr">
-                <a:tint val="100000"/>
-                <a:shade val="100000"/>
-                <a:satMod val="130000"/>
-              </a:schemeClr>
-            </a:gs>
-            <a:gs pos="100000">
-              <a:schemeClr val="phClr">
-                <a:tint val="50000"/>
-                <a:shade val="100000"/>
-                <a:satMod val="350000"/>
-              </a:schemeClr>
-            </a:gs>
-          </a:gsLst>
-          <a:lin ang="16200000" scaled="0"/>
-        </a:gradFill>
-      </a:fillStyleLst>
-      <a:lnStyleLst>
-        <a:ln w="9525" cap="flat" cmpd="sng" algn="ctr">
-          <a:solidFill>
-            <a:schemeClr val="phClr">
-              <a:shade val="95000"/>
-              <a:satMod val="105000"/>
-            </a:schemeClr>
-          </a:solidFill>
-          <a:prstDash val="solid"/>
-        </a:ln>
-        <a:ln w="25400" cap="flat" cmpd="sng" algn="ctr">
-          <a:solidFill>
-            <a:schemeClr val="phClr"/>
-          </a:solidFill>
-          <a:prstDash val="solid"/>
-        </a:ln>
-        <a:ln w="38100" cap="flat" cmpd="sng" algn="ctr">
-          <a:solidFill>
-            <a:schemeClr val="phClr"/>
-          </a:solidFill>
-          <a:prstDash val="solid"/>
-        </a:ln>
-      </a:lnStyleLst>
-      <a:effectStyleLst>
-        <a:effectStyle>
-          <a:effectLst>
-            <a:outerShdw blurRad="40000" dist="20000" dir="5400000" rotWithShape="0">
-              <a:srgbClr val="000000">
-                <a:alpha val="38000"/>
-              </a:srgbClr>
-            </a:outerShdw>
-          </a:effectLst>
-        </a:effectStyle>
-        <a:effectStyle>
-          <a:effectLst>
-            <a:outerShdw blurRad="40000" dist="23000" dir="5400000" rotWithShape="0">
-              <a:srgbClr val="000000">
-                <a:alpha val="35000"/>
-              </a:srgbClr>
-            </a:outerShdw>
-          </a:effectLst>
-        </a:effectStyle>
-        <a:effectStyle>
-          <a:effectLst>
-            <a:outerShdw blurRad="40000" dist="23000" dir="5400000" rotWithShape="0">
-              <a:srgbClr val="000000">
-                <a:alpha val="35000"/>
-              </a:srgbClr>
-            </a:outerShdw>
-          </a:effectLst>
-          <a:scene3d>
-            <a:camera prst="orthographicFront">
-              <a:rot lat="0" lon="0" rev="0"/>
-            </a:camera>
-            <a:lightRig rig="threePt" dir="t">
-              <a:rot lat="0" lon="0" rev="1200000"/>
-            </a:lightRig>
-          </a:scene3d>
-          <a:sp3d>
-            <a:bevelT w="63500" h="25400"/>
-          </a:sp3d>
-        </a:effectStyle>
-      </a:effectStyleLst>
-      <a:bgFillStyleLst>
-        <a:solidFill>
-          <a:schemeClr val="phClr"/>
-        </a:solidFill>
-        <a:gradFill rotWithShape="1">
-          <a:gsLst>
-            <a:gs pos="0">
-              <a:schemeClr val="phClr">
-                <a:tint val="40000"/>
-                <a:satMod val="350000"/>
-              </a:schemeClr>
-            </a:gs>
-            <a:gs pos="40000">
-              <a:schemeClr val="phClr">
-                <a:tint val="45000"/>
-                <a:shade val="99000"/>
-                <a:satMod val="350000"/>
-              </a:schemeClr>
-            </a:gs>
-            <a:gs pos="100000">
-              <a:schemeClr val="phClr">
-                <a:shade val="20000"/>
-                <a:satMod val="255000"/>
-              </a:schemeClr>
-            </a:gs>
-          </a:gsLst>
-          <a:path path="circle">
-            <a:fillToRect l="50000" t="-80000" r="50000" b="180000"/>
-          </a:path>
-        </a:gradFill>
-        <a:gradFill rotWithShape="1">
-          <a:gsLst>
-            <a:gs pos="0">
-              <a:schemeClr val="phClr">
-                <a:tint val="80000"/>
-                <a:satMod val="300000"/>
-              </a:schemeClr>
-            </a:gs>
-            <a:gs pos="100000">
-              <a:schemeClr val="phClr">
-                <a:shade val="30000"/>
-                <a:satMod val="200000"/>
-              </a:schemeClr>
-            </a:gs>
-          </a:gsLst>
-          <a:path path="circle">
-            <a:fillToRect l="50000" t="50000" r="50000" b="50000"/>
-          </a:path>
-        </a:gradFill>
-      </a:bgFillStyleLst>
-    </a:fmtScheme>
-  </a:themeElements>
-</a:theme>
 </file>